--- a/Milestone 6/ENSE 470 Milestone 6.pptx
+++ b/Milestone 6/ENSE 470 Milestone 6.pptx
@@ -7,10 +7,10 @@
   <p:sldIdLst>
     <p:sldId id="256" r:id="rId2"/>
     <p:sldId id="257" r:id="rId3"/>
-    <p:sldId id="258" r:id="rId4"/>
-    <p:sldId id="259" r:id="rId5"/>
-    <p:sldId id="260" r:id="rId6"/>
-    <p:sldId id="261" r:id="rId7"/>
+    <p:sldId id="263" r:id="rId4"/>
+    <p:sldId id="265" r:id="rId5"/>
+    <p:sldId id="264" r:id="rId6"/>
+    <p:sldId id="258" r:id="rId7"/>
     <p:sldId id="262" r:id="rId8"/>
   </p:sldIdLst>
   <p:sldSz cx="12192000" cy="6858000"/>
@@ -110,6 +110,11 @@
       </a:defRPr>
     </a:lvl9pPr>
   </p:defaultTextStyle>
+  <p:extLst>
+    <p:ext uri="{EFAFB233-063F-42B5-8137-9DF3F51BA10A}">
+      <p15:sldGuideLst xmlns:p15="http://schemas.microsoft.com/office/powerpoint/2012/main"/>
+    </p:ext>
+  </p:extLst>
 </p:presentation>
 </file>
 
@@ -163,7 +168,7 @@
           <a:noFill/>
           <a:extLst>
             <a:ext uri="{909E8E84-426E-40dd-AFC4-6F175D3DCCD1}">
-              <a14:hiddenFill xmlns:a14="http://schemas.microsoft.com/office/drawing/2010/main" xmlns="">
+              <a14:hiddenFill xmlns="" xmlns:a14="http://schemas.microsoft.com/office/drawing/2010/main">
                 <a:solidFill>
                   <a:srgbClr val="FFFFFF"/>
                 </a:solidFill>
@@ -223,7 +228,7 @@
             </a:ln>
             <a:extLst>
               <a:ext uri="{91240B29-F687-4f45-9708-019B960494DF}">
-                <a14:hiddenLine xmlns:a14="http://schemas.microsoft.com/office/drawing/2010/main" xmlns="" w="9525">
+                <a14:hiddenLine xmlns="" xmlns:a14="http://schemas.microsoft.com/office/drawing/2010/main" w="9525">
                   <a:solidFill>
                     <a:srgbClr val="000000"/>
                   </a:solidFill>
@@ -313,7 +318,7 @@
             </a:ln>
             <a:extLst>
               <a:ext uri="{91240B29-F687-4f45-9708-019B960494DF}">
-                <a14:hiddenLine xmlns:a14="http://schemas.microsoft.com/office/drawing/2010/main" xmlns="" w="9525">
+                <a14:hiddenLine xmlns="" xmlns:a14="http://schemas.microsoft.com/office/drawing/2010/main" w="9525">
                   <a:solidFill>
                     <a:srgbClr val="000000"/>
                   </a:solidFill>
@@ -403,7 +408,7 @@
             </a:ln>
             <a:extLst>
               <a:ext uri="{91240B29-F687-4f45-9708-019B960494DF}">
-                <a14:hiddenLine xmlns:a14="http://schemas.microsoft.com/office/drawing/2010/main" xmlns="" w="9525">
+                <a14:hiddenLine xmlns="" xmlns:a14="http://schemas.microsoft.com/office/drawing/2010/main" w="9525">
                   <a:solidFill>
                     <a:srgbClr val="000000"/>
                   </a:solidFill>
@@ -437,7 +442,7 @@
             </a:ln>
             <a:extLst>
               <a:ext uri="{91240B29-F687-4f45-9708-019B960494DF}">
-                <a14:hiddenLine xmlns:a14="http://schemas.microsoft.com/office/drawing/2010/main" xmlns="" w="9525">
+                <a14:hiddenLine xmlns="" xmlns:a14="http://schemas.microsoft.com/office/drawing/2010/main" w="9525">
                   <a:solidFill>
                     <a:srgbClr val="000000"/>
                   </a:solidFill>
@@ -527,7 +532,7 @@
             </a:ln>
             <a:extLst>
               <a:ext uri="{91240B29-F687-4f45-9708-019B960494DF}">
-                <a14:hiddenLine xmlns:a14="http://schemas.microsoft.com/office/drawing/2010/main" xmlns="" w="9525">
+                <a14:hiddenLine xmlns="" xmlns:a14="http://schemas.microsoft.com/office/drawing/2010/main" w="9525">
                   <a:solidFill>
                     <a:srgbClr val="000000"/>
                   </a:solidFill>
@@ -589,7 +594,7 @@
             </a:ln>
             <a:extLst>
               <a:ext uri="{91240B29-F687-4f45-9708-019B960494DF}">
-                <a14:hiddenLine xmlns:a14="http://schemas.microsoft.com/office/drawing/2010/main" xmlns="" w="9525">
+                <a14:hiddenLine xmlns="" xmlns:a14="http://schemas.microsoft.com/office/drawing/2010/main" w="9525">
                   <a:solidFill>
                     <a:srgbClr val="000000"/>
                   </a:solidFill>
@@ -651,7 +656,7 @@
             </a:ln>
             <a:extLst>
               <a:ext uri="{91240B29-F687-4f45-9708-019B960494DF}">
-                <a14:hiddenLine xmlns:a14="http://schemas.microsoft.com/office/drawing/2010/main" xmlns="" w="9525">
+                <a14:hiddenLine xmlns="" xmlns:a14="http://schemas.microsoft.com/office/drawing/2010/main" w="9525">
                   <a:solidFill>
                     <a:srgbClr val="000000"/>
                   </a:solidFill>
@@ -741,7 +746,7 @@
             </a:ln>
             <a:extLst>
               <a:ext uri="{91240B29-F687-4f45-9708-019B960494DF}">
-                <a14:hiddenLine xmlns:a14="http://schemas.microsoft.com/office/drawing/2010/main" xmlns="" w="9525">
+                <a14:hiddenLine xmlns="" xmlns:a14="http://schemas.microsoft.com/office/drawing/2010/main" w="9525">
                   <a:solidFill>
                     <a:srgbClr val="000000"/>
                   </a:solidFill>
@@ -803,7 +808,7 @@
             </a:ln>
             <a:extLst>
               <a:ext uri="{91240B29-F687-4f45-9708-019B960494DF}">
-                <a14:hiddenLine xmlns:a14="http://schemas.microsoft.com/office/drawing/2010/main" xmlns="" w="9525">
+                <a14:hiddenLine xmlns="" xmlns:a14="http://schemas.microsoft.com/office/drawing/2010/main" w="9525">
                   <a:solidFill>
                     <a:srgbClr val="000000"/>
                   </a:solidFill>
@@ -865,7 +870,7 @@
             </a:ln>
             <a:extLst>
               <a:ext uri="{91240B29-F687-4f45-9708-019B960494DF}">
-                <a14:hiddenLine xmlns:a14="http://schemas.microsoft.com/office/drawing/2010/main" xmlns="" w="9525">
+                <a14:hiddenLine xmlns="" xmlns:a14="http://schemas.microsoft.com/office/drawing/2010/main" w="9525">
                   <a:solidFill>
                     <a:srgbClr val="000000"/>
                   </a:solidFill>
@@ -955,7 +960,7 @@
             </a:ln>
             <a:extLst>
               <a:ext uri="{91240B29-F687-4f45-9708-019B960494DF}">
-                <a14:hiddenLine xmlns:a14="http://schemas.microsoft.com/office/drawing/2010/main" xmlns="" w="9525">
+                <a14:hiddenLine xmlns="" xmlns:a14="http://schemas.microsoft.com/office/drawing/2010/main" w="9525">
                   <a:solidFill>
                     <a:srgbClr val="000000"/>
                   </a:solidFill>
@@ -1045,7 +1050,7 @@
             </a:ln>
             <a:extLst>
               <a:ext uri="{91240B29-F687-4f45-9708-019B960494DF}">
-                <a14:hiddenLine xmlns:a14="http://schemas.microsoft.com/office/drawing/2010/main" xmlns="" w="9525">
+                <a14:hiddenLine xmlns="" xmlns:a14="http://schemas.microsoft.com/office/drawing/2010/main" w="9525">
                   <a:solidFill>
                     <a:srgbClr val="000000"/>
                   </a:solidFill>
@@ -1107,7 +1112,7 @@
             </a:ln>
             <a:extLst>
               <a:ext uri="{91240B29-F687-4f45-9708-019B960494DF}">
-                <a14:hiddenLine xmlns:a14="http://schemas.microsoft.com/office/drawing/2010/main" xmlns="" w="9525">
+                <a14:hiddenLine xmlns="" xmlns:a14="http://schemas.microsoft.com/office/drawing/2010/main" w="9525">
                   <a:solidFill>
                     <a:srgbClr val="000000"/>
                   </a:solidFill>
@@ -1217,7 +1222,7 @@
             </a:ln>
             <a:extLst>
               <a:ext uri="{91240B29-F687-4f45-9708-019B960494DF}">
-                <a14:hiddenLine xmlns:a14="http://schemas.microsoft.com/office/drawing/2010/main" xmlns="" w="9525">
+                <a14:hiddenLine xmlns="" xmlns:a14="http://schemas.microsoft.com/office/drawing/2010/main" w="9525">
                   <a:solidFill>
                     <a:srgbClr val="000000"/>
                   </a:solidFill>
@@ -1279,7 +1284,7 @@
             </a:ln>
             <a:extLst>
               <a:ext uri="{91240B29-F687-4f45-9708-019B960494DF}">
-                <a14:hiddenLine xmlns:a14="http://schemas.microsoft.com/office/drawing/2010/main" xmlns="" w="9525">
+                <a14:hiddenLine xmlns="" xmlns:a14="http://schemas.microsoft.com/office/drawing/2010/main" w="9525">
                   <a:solidFill>
                     <a:srgbClr val="000000"/>
                   </a:solidFill>
@@ -1369,7 +1374,7 @@
             </a:ln>
             <a:extLst>
               <a:ext uri="{91240B29-F687-4f45-9708-019B960494DF}">
-                <a14:hiddenLine xmlns:a14="http://schemas.microsoft.com/office/drawing/2010/main" xmlns="" w="9525">
+                <a14:hiddenLine xmlns="" xmlns:a14="http://schemas.microsoft.com/office/drawing/2010/main" w="9525">
                   <a:solidFill>
                     <a:srgbClr val="000000"/>
                   </a:solidFill>
@@ -1459,7 +1464,7 @@
             </a:ln>
             <a:extLst>
               <a:ext uri="{91240B29-F687-4f45-9708-019B960494DF}">
-                <a14:hiddenLine xmlns:a14="http://schemas.microsoft.com/office/drawing/2010/main" xmlns="" w="9525">
+                <a14:hiddenLine xmlns="" xmlns:a14="http://schemas.microsoft.com/office/drawing/2010/main" w="9525">
                   <a:solidFill>
                     <a:srgbClr val="000000"/>
                   </a:solidFill>
@@ -1521,7 +1526,7 @@
             </a:ln>
             <a:extLst>
               <a:ext uri="{91240B29-F687-4f45-9708-019B960494DF}">
-                <a14:hiddenLine xmlns:a14="http://schemas.microsoft.com/office/drawing/2010/main" xmlns="" w="9525">
+                <a14:hiddenLine xmlns="" xmlns:a14="http://schemas.microsoft.com/office/drawing/2010/main" w="9525">
                   <a:solidFill>
                     <a:srgbClr val="000000"/>
                   </a:solidFill>
@@ -1611,7 +1616,7 @@
             </a:ln>
             <a:extLst>
               <a:ext uri="{91240B29-F687-4f45-9708-019B960494DF}">
-                <a14:hiddenLine xmlns:a14="http://schemas.microsoft.com/office/drawing/2010/main" xmlns="" w="9525">
+                <a14:hiddenLine xmlns="" xmlns:a14="http://schemas.microsoft.com/office/drawing/2010/main" w="9525">
                   <a:solidFill>
                     <a:srgbClr val="000000"/>
                   </a:solidFill>
@@ -1701,7 +1706,7 @@
             </a:ln>
             <a:extLst>
               <a:ext uri="{91240B29-F687-4f45-9708-019B960494DF}">
-                <a14:hiddenLine xmlns:a14="http://schemas.microsoft.com/office/drawing/2010/main" xmlns="" w="9525">
+                <a14:hiddenLine xmlns="" xmlns:a14="http://schemas.microsoft.com/office/drawing/2010/main" w="9525">
                   <a:solidFill>
                     <a:srgbClr val="000000"/>
                   </a:solidFill>
@@ -1757,7 +1762,7 @@
             </a:ln>
             <a:extLst>
               <a:ext uri="{91240B29-F687-4f45-9708-019B960494DF}">
-                <a14:hiddenLine xmlns:a14="http://schemas.microsoft.com/office/drawing/2010/main" xmlns="" w="9525">
+                <a14:hiddenLine xmlns="" xmlns:a14="http://schemas.microsoft.com/office/drawing/2010/main" w="9525">
                   <a:solidFill>
                     <a:srgbClr val="000000"/>
                   </a:solidFill>
@@ -1847,7 +1852,7 @@
             </a:ln>
             <a:extLst>
               <a:ext uri="{91240B29-F687-4f45-9708-019B960494DF}">
-                <a14:hiddenLine xmlns:a14="http://schemas.microsoft.com/office/drawing/2010/main" xmlns="" w="9525">
+                <a14:hiddenLine xmlns="" xmlns:a14="http://schemas.microsoft.com/office/drawing/2010/main" w="9525">
                   <a:solidFill>
                     <a:srgbClr val="000000"/>
                   </a:solidFill>
@@ -1903,7 +1908,7 @@
             </a:ln>
             <a:extLst>
               <a:ext uri="{91240B29-F687-4f45-9708-019B960494DF}">
-                <a14:hiddenLine xmlns:a14="http://schemas.microsoft.com/office/drawing/2010/main" xmlns="" w="9525">
+                <a14:hiddenLine xmlns="" xmlns:a14="http://schemas.microsoft.com/office/drawing/2010/main" w="9525">
                   <a:solidFill>
                     <a:srgbClr val="000000"/>
                   </a:solidFill>
@@ -1993,7 +1998,7 @@
             </a:ln>
             <a:extLst>
               <a:ext uri="{91240B29-F687-4f45-9708-019B960494DF}">
-                <a14:hiddenLine xmlns:a14="http://schemas.microsoft.com/office/drawing/2010/main" xmlns="" w="9525">
+                <a14:hiddenLine xmlns="" xmlns:a14="http://schemas.microsoft.com/office/drawing/2010/main" w="9525">
                   <a:solidFill>
                     <a:srgbClr val="000000"/>
                   </a:solidFill>
@@ -2061,7 +2066,7 @@
             </a:ln>
             <a:extLst>
               <a:ext uri="{91240B29-F687-4f45-9708-019B960494DF}">
-                <a14:hiddenLine xmlns:a14="http://schemas.microsoft.com/office/drawing/2010/main" xmlns="" w="9525">
+                <a14:hiddenLine xmlns="" xmlns:a14="http://schemas.microsoft.com/office/drawing/2010/main" w="9525">
                   <a:solidFill>
                     <a:srgbClr val="000000"/>
                   </a:solidFill>
@@ -2151,7 +2156,7 @@
             </a:ln>
             <a:extLst>
               <a:ext uri="{91240B29-F687-4f45-9708-019B960494DF}">
-                <a14:hiddenLine xmlns:a14="http://schemas.microsoft.com/office/drawing/2010/main" xmlns="" w="9525">
+                <a14:hiddenLine xmlns="" xmlns:a14="http://schemas.microsoft.com/office/drawing/2010/main" w="9525">
                   <a:solidFill>
                     <a:srgbClr val="000000"/>
                   </a:solidFill>
@@ -2219,7 +2224,7 @@
             </a:ln>
             <a:extLst>
               <a:ext uri="{91240B29-F687-4f45-9708-019B960494DF}">
-                <a14:hiddenLine xmlns:a14="http://schemas.microsoft.com/office/drawing/2010/main" xmlns="" w="9525">
+                <a14:hiddenLine xmlns="" xmlns:a14="http://schemas.microsoft.com/office/drawing/2010/main" w="9525">
                   <a:solidFill>
                     <a:srgbClr val="000000"/>
                   </a:solidFill>
@@ -2309,7 +2314,7 @@
             </a:ln>
             <a:extLst>
               <a:ext uri="{91240B29-F687-4f45-9708-019B960494DF}">
-                <a14:hiddenLine xmlns:a14="http://schemas.microsoft.com/office/drawing/2010/main" xmlns="" w="9525">
+                <a14:hiddenLine xmlns="" xmlns:a14="http://schemas.microsoft.com/office/drawing/2010/main" w="9525">
                   <a:solidFill>
                     <a:srgbClr val="000000"/>
                   </a:solidFill>
@@ -2343,7 +2348,7 @@
             </a:ln>
             <a:extLst>
               <a:ext uri="{91240B29-F687-4f45-9708-019B960494DF}">
-                <a14:hiddenLine xmlns:a14="http://schemas.microsoft.com/office/drawing/2010/main" xmlns="" w="9525">
+                <a14:hiddenLine xmlns="" xmlns:a14="http://schemas.microsoft.com/office/drawing/2010/main" w="9525">
                   <a:solidFill>
                     <a:srgbClr val="000000"/>
                   </a:solidFill>
@@ -2433,7 +2438,7 @@
             </a:ln>
             <a:extLst>
               <a:ext uri="{91240B29-F687-4f45-9708-019B960494DF}">
-                <a14:hiddenLine xmlns:a14="http://schemas.microsoft.com/office/drawing/2010/main" xmlns="" w="9525">
+                <a14:hiddenLine xmlns="" xmlns:a14="http://schemas.microsoft.com/office/drawing/2010/main" w="9525">
                   <a:solidFill>
                     <a:srgbClr val="000000"/>
                   </a:solidFill>
@@ -2495,7 +2500,7 @@
             </a:ln>
             <a:extLst>
               <a:ext uri="{91240B29-F687-4f45-9708-019B960494DF}">
-                <a14:hiddenLine xmlns:a14="http://schemas.microsoft.com/office/drawing/2010/main" xmlns="" w="9525">
+                <a14:hiddenLine xmlns="" xmlns:a14="http://schemas.microsoft.com/office/drawing/2010/main" w="9525">
                   <a:solidFill>
                     <a:srgbClr val="000000"/>
                   </a:solidFill>
@@ -2557,7 +2562,7 @@
             </a:ln>
             <a:extLst>
               <a:ext uri="{91240B29-F687-4f45-9708-019B960494DF}">
-                <a14:hiddenLine xmlns:a14="http://schemas.microsoft.com/office/drawing/2010/main" xmlns="" w="9525">
+                <a14:hiddenLine xmlns="" xmlns:a14="http://schemas.microsoft.com/office/drawing/2010/main" w="9525">
                   <a:solidFill>
                     <a:srgbClr val="000000"/>
                   </a:solidFill>
@@ -2647,7 +2652,7 @@
             </a:ln>
             <a:extLst>
               <a:ext uri="{91240B29-F687-4f45-9708-019B960494DF}">
-                <a14:hiddenLine xmlns:a14="http://schemas.microsoft.com/office/drawing/2010/main" xmlns="" w="9525">
+                <a14:hiddenLine xmlns="" xmlns:a14="http://schemas.microsoft.com/office/drawing/2010/main" w="9525">
                   <a:solidFill>
                     <a:srgbClr val="000000"/>
                   </a:solidFill>
@@ -2715,7 +2720,7 @@
             </a:ln>
             <a:extLst>
               <a:ext uri="{91240B29-F687-4f45-9708-019B960494DF}">
-                <a14:hiddenLine xmlns:a14="http://schemas.microsoft.com/office/drawing/2010/main" xmlns="" w="9525">
+                <a14:hiddenLine xmlns="" xmlns:a14="http://schemas.microsoft.com/office/drawing/2010/main" w="9525">
                   <a:solidFill>
                     <a:srgbClr val="000000"/>
                   </a:solidFill>
@@ -2777,7 +2782,7 @@
             </a:ln>
             <a:extLst>
               <a:ext uri="{91240B29-F687-4f45-9708-019B960494DF}">
-                <a14:hiddenLine xmlns:a14="http://schemas.microsoft.com/office/drawing/2010/main" xmlns="" w="9525">
+                <a14:hiddenLine xmlns="" xmlns:a14="http://schemas.microsoft.com/office/drawing/2010/main" w="9525">
                   <a:solidFill>
                     <a:srgbClr val="000000"/>
                   </a:solidFill>
@@ -2867,7 +2872,7 @@
             </a:ln>
             <a:extLst>
               <a:ext uri="{91240B29-F687-4f45-9708-019B960494DF}">
-                <a14:hiddenLine xmlns:a14="http://schemas.microsoft.com/office/drawing/2010/main" xmlns="" w="9525">
+                <a14:hiddenLine xmlns="" xmlns:a14="http://schemas.microsoft.com/office/drawing/2010/main" w="9525">
                   <a:solidFill>
                     <a:srgbClr val="000000"/>
                   </a:solidFill>
@@ -2929,7 +2934,7 @@
             </a:ln>
             <a:extLst>
               <a:ext uri="{91240B29-F687-4f45-9708-019B960494DF}">
-                <a14:hiddenLine xmlns:a14="http://schemas.microsoft.com/office/drawing/2010/main" xmlns="" w="9525">
+                <a14:hiddenLine xmlns="" xmlns:a14="http://schemas.microsoft.com/office/drawing/2010/main" w="9525">
                   <a:solidFill>
                     <a:srgbClr val="000000"/>
                   </a:solidFill>
@@ -3019,7 +3024,7 @@
             </a:ln>
             <a:extLst>
               <a:ext uri="{91240B29-F687-4f45-9708-019B960494DF}">
-                <a14:hiddenLine xmlns:a14="http://schemas.microsoft.com/office/drawing/2010/main" xmlns="" w="9525">
+                <a14:hiddenLine xmlns="" xmlns:a14="http://schemas.microsoft.com/office/drawing/2010/main" w="9525">
                   <a:solidFill>
                     <a:srgbClr val="000000"/>
                   </a:solidFill>
@@ -3081,7 +3086,7 @@
             </a:ln>
             <a:extLst>
               <a:ext uri="{91240B29-F687-4f45-9708-019B960494DF}">
-                <a14:hiddenLine xmlns:a14="http://schemas.microsoft.com/office/drawing/2010/main" xmlns="" w="9525">
+                <a14:hiddenLine xmlns="" xmlns:a14="http://schemas.microsoft.com/office/drawing/2010/main" w="9525">
                   <a:solidFill>
                     <a:srgbClr val="000000"/>
                   </a:solidFill>
@@ -3171,7 +3176,7 @@
             </a:ln>
             <a:extLst>
               <a:ext uri="{91240B29-F687-4f45-9708-019B960494DF}">
-                <a14:hiddenLine xmlns:a14="http://schemas.microsoft.com/office/drawing/2010/main" xmlns="" w="9525">
+                <a14:hiddenLine xmlns="" xmlns:a14="http://schemas.microsoft.com/office/drawing/2010/main" w="9525">
                   <a:solidFill>
                     <a:srgbClr val="000000"/>
                   </a:solidFill>
@@ -3205,7 +3210,7 @@
             </a:ln>
             <a:extLst>
               <a:ext uri="{91240B29-F687-4f45-9708-019B960494DF}">
-                <a14:hiddenLine xmlns:a14="http://schemas.microsoft.com/office/drawing/2010/main" xmlns="" w="9525">
+                <a14:hiddenLine xmlns="" xmlns:a14="http://schemas.microsoft.com/office/drawing/2010/main" w="9525">
                   <a:solidFill>
                     <a:srgbClr val="000000"/>
                   </a:solidFill>
@@ -3270,7 +3275,7 @@
             </a:ln>
             <a:extLst>
               <a:ext uri="{91240B29-F687-4f45-9708-019B960494DF}">
-                <a14:hiddenLine xmlns:a14="http://schemas.microsoft.com/office/drawing/2010/main" xmlns="" w="9525">
+                <a14:hiddenLine xmlns="" xmlns:a14="http://schemas.microsoft.com/office/drawing/2010/main" w="9525">
                   <a:solidFill>
                     <a:srgbClr val="000000"/>
                   </a:solidFill>
@@ -3360,7 +3365,7 @@
             </a:ln>
             <a:extLst>
               <a:ext uri="{91240B29-F687-4f45-9708-019B960494DF}">
-                <a14:hiddenLine xmlns:a14="http://schemas.microsoft.com/office/drawing/2010/main" xmlns="" w="9525">
+                <a14:hiddenLine xmlns="" xmlns:a14="http://schemas.microsoft.com/office/drawing/2010/main" w="9525">
                   <a:solidFill>
                     <a:srgbClr val="000000"/>
                   </a:solidFill>
@@ -3422,7 +3427,7 @@
             </a:ln>
             <a:extLst>
               <a:ext uri="{91240B29-F687-4f45-9708-019B960494DF}">
-                <a14:hiddenLine xmlns:a14="http://schemas.microsoft.com/office/drawing/2010/main" xmlns="" w="9525">
+                <a14:hiddenLine xmlns="" xmlns:a14="http://schemas.microsoft.com/office/drawing/2010/main" w="9525">
                   <a:solidFill>
                     <a:srgbClr val="000000"/>
                   </a:solidFill>
@@ -3512,7 +3517,7 @@
             </a:ln>
             <a:extLst>
               <a:ext uri="{91240B29-F687-4f45-9708-019B960494DF}">
-                <a14:hiddenLine xmlns:a14="http://schemas.microsoft.com/office/drawing/2010/main" xmlns="" w="9525">
+                <a14:hiddenLine xmlns="" xmlns:a14="http://schemas.microsoft.com/office/drawing/2010/main" w="9525">
                   <a:solidFill>
                     <a:srgbClr val="000000"/>
                   </a:solidFill>
@@ -3602,7 +3607,7 @@
             </a:ln>
             <a:extLst>
               <a:ext uri="{91240B29-F687-4f45-9708-019B960494DF}">
-                <a14:hiddenLine xmlns:a14="http://schemas.microsoft.com/office/drawing/2010/main" xmlns="" w="9525">
+                <a14:hiddenLine xmlns="" xmlns:a14="http://schemas.microsoft.com/office/drawing/2010/main" w="9525">
                   <a:solidFill>
                     <a:srgbClr val="000000"/>
                   </a:solidFill>
@@ -3667,7 +3672,7 @@
             </a:ln>
             <a:extLst>
               <a:ext uri="{91240B29-F687-4f45-9708-019B960494DF}">
-                <a14:hiddenLine xmlns:a14="http://schemas.microsoft.com/office/drawing/2010/main" xmlns="" w="9525">
+                <a14:hiddenLine xmlns="" xmlns:a14="http://schemas.microsoft.com/office/drawing/2010/main" w="9525">
                   <a:solidFill>
                     <a:srgbClr val="000000"/>
                   </a:solidFill>
@@ -3729,7 +3734,7 @@
             </a:ln>
             <a:extLst>
               <a:ext uri="{91240B29-F687-4f45-9708-019B960494DF}">
-                <a14:hiddenLine xmlns:a14="http://schemas.microsoft.com/office/drawing/2010/main" xmlns="" w="9525">
+                <a14:hiddenLine xmlns="" xmlns:a14="http://schemas.microsoft.com/office/drawing/2010/main" w="9525">
                   <a:solidFill>
                     <a:srgbClr val="000000"/>
                   </a:solidFill>
@@ -3819,7 +3824,7 @@
             </a:ln>
             <a:extLst>
               <a:ext uri="{91240B29-F687-4f45-9708-019B960494DF}">
-                <a14:hiddenLine xmlns:a14="http://schemas.microsoft.com/office/drawing/2010/main" xmlns="" w="9525">
+                <a14:hiddenLine xmlns="" xmlns:a14="http://schemas.microsoft.com/office/drawing/2010/main" w="9525">
                   <a:solidFill>
                     <a:srgbClr val="000000"/>
                   </a:solidFill>
@@ -3909,7 +3914,7 @@
             </a:ln>
             <a:extLst>
               <a:ext uri="{91240B29-F687-4f45-9708-019B960494DF}">
-                <a14:hiddenLine xmlns:a14="http://schemas.microsoft.com/office/drawing/2010/main" xmlns="" w="9525">
+                <a14:hiddenLine xmlns="" xmlns:a14="http://schemas.microsoft.com/office/drawing/2010/main" w="9525">
                   <a:solidFill>
                     <a:srgbClr val="000000"/>
                   </a:solidFill>
@@ -3971,7 +3976,7 @@
             </a:ln>
             <a:extLst>
               <a:ext uri="{91240B29-F687-4f45-9708-019B960494DF}">
-                <a14:hiddenLine xmlns:a14="http://schemas.microsoft.com/office/drawing/2010/main" xmlns="" w="9525">
+                <a14:hiddenLine xmlns="" xmlns:a14="http://schemas.microsoft.com/office/drawing/2010/main" w="9525">
                   <a:solidFill>
                     <a:srgbClr val="000000"/>
                   </a:solidFill>
@@ -4091,7 +4096,7 @@
             </a:ln>
             <a:extLst>
               <a:ext uri="{91240B29-F687-4f45-9708-019B960494DF}">
-                <a14:hiddenLine xmlns:a14="http://schemas.microsoft.com/office/drawing/2010/main" xmlns="" w="9525">
+                <a14:hiddenLine xmlns="" xmlns:a14="http://schemas.microsoft.com/office/drawing/2010/main" w="9525">
                   <a:solidFill>
                     <a:srgbClr val="000000"/>
                   </a:solidFill>
@@ -4159,7 +4164,7 @@
             </a:ln>
             <a:extLst>
               <a:ext uri="{91240B29-F687-4f45-9708-019B960494DF}">
-                <a14:hiddenLine xmlns:a14="http://schemas.microsoft.com/office/drawing/2010/main" xmlns="" w="9525">
+                <a14:hiddenLine xmlns="" xmlns:a14="http://schemas.microsoft.com/office/drawing/2010/main" w="9525">
                   <a:solidFill>
                     <a:srgbClr val="000000"/>
                   </a:solidFill>
@@ -4249,7 +4254,7 @@
             </a:ln>
             <a:extLst>
               <a:ext uri="{91240B29-F687-4f45-9708-019B960494DF}">
-                <a14:hiddenLine xmlns:a14="http://schemas.microsoft.com/office/drawing/2010/main" xmlns="" w="9525">
+                <a14:hiddenLine xmlns="" xmlns:a14="http://schemas.microsoft.com/office/drawing/2010/main" w="9525">
                   <a:solidFill>
                     <a:srgbClr val="000000"/>
                   </a:solidFill>
@@ -4389,7 +4394,7 @@
           <a:p>
             <a:fld id="{4998C87B-9159-44A7-A46D-CFF727E309AF}" type="datetimeFigureOut">
               <a:rPr lang="en-CA" smtClean="0"/>
-              <a:t>2018-03-21</a:t>
+              <a:t>2018-03-28</a:t>
             </a:fld>
             <a:endParaRPr lang="en-CA"/>
           </a:p>
@@ -4656,7 +4661,7 @@
           <a:p>
             <a:fld id="{4998C87B-9159-44A7-A46D-CFF727E309AF}" type="datetimeFigureOut">
               <a:rPr lang="en-CA" smtClean="0"/>
-              <a:t>2018-03-21</a:t>
+              <a:t>2018-03-28</a:t>
             </a:fld>
             <a:endParaRPr lang="en-CA"/>
           </a:p>
@@ -4852,7 +4857,7 @@
           <a:p>
             <a:fld id="{4998C87B-9159-44A7-A46D-CFF727E309AF}" type="datetimeFigureOut">
               <a:rPr lang="en-CA" smtClean="0"/>
-              <a:t>2018-03-21</a:t>
+              <a:t>2018-03-28</a:t>
             </a:fld>
             <a:endParaRPr lang="en-CA"/>
           </a:p>
@@ -5115,7 +5120,7 @@
           <a:p>
             <a:fld id="{4998C87B-9159-44A7-A46D-CFF727E309AF}" type="datetimeFigureOut">
               <a:rPr lang="en-CA" smtClean="0"/>
-              <a:t>2018-03-21</a:t>
+              <a:t>2018-03-28</a:t>
             </a:fld>
             <a:endParaRPr lang="en-CA"/>
           </a:p>
@@ -5549,7 +5554,7 @@
           <a:p>
             <a:fld id="{4998C87B-9159-44A7-A46D-CFF727E309AF}" type="datetimeFigureOut">
               <a:rPr lang="en-CA" smtClean="0"/>
-              <a:t>2018-03-21</a:t>
+              <a:t>2018-03-28</a:t>
             </a:fld>
             <a:endParaRPr lang="en-CA"/>
           </a:p>
@@ -6095,7 +6100,7 @@
           <a:p>
             <a:fld id="{4998C87B-9159-44A7-A46D-CFF727E309AF}" type="datetimeFigureOut">
               <a:rPr lang="en-CA" smtClean="0"/>
-              <a:t>2018-03-21</a:t>
+              <a:t>2018-03-28</a:t>
             </a:fld>
             <a:endParaRPr lang="en-CA"/>
           </a:p>
@@ -6815,7 +6820,7 @@
           <a:p>
             <a:fld id="{4998C87B-9159-44A7-A46D-CFF727E309AF}" type="datetimeFigureOut">
               <a:rPr lang="en-CA" smtClean="0"/>
-              <a:t>2018-03-21</a:t>
+              <a:t>2018-03-28</a:t>
             </a:fld>
             <a:endParaRPr lang="en-CA"/>
           </a:p>
@@ -6985,7 +6990,7 @@
           <a:p>
             <a:fld id="{4998C87B-9159-44A7-A46D-CFF727E309AF}" type="datetimeFigureOut">
               <a:rPr lang="en-CA" smtClean="0"/>
-              <a:t>2018-03-21</a:t>
+              <a:t>2018-03-28</a:t>
             </a:fld>
             <a:endParaRPr lang="en-CA"/>
           </a:p>
@@ -7165,7 +7170,7 @@
           <a:p>
             <a:fld id="{4998C87B-9159-44A7-A46D-CFF727E309AF}" type="datetimeFigureOut">
               <a:rPr lang="en-CA" smtClean="0"/>
-              <a:t>2018-03-21</a:t>
+              <a:t>2018-03-28</a:t>
             </a:fld>
             <a:endParaRPr lang="en-CA"/>
           </a:p>
@@ -7335,7 +7340,7 @@
           <a:p>
             <a:fld id="{4998C87B-9159-44A7-A46D-CFF727E309AF}" type="datetimeFigureOut">
               <a:rPr lang="en-CA" smtClean="0"/>
-              <a:t>2018-03-21</a:t>
+              <a:t>2018-03-28</a:t>
             </a:fld>
             <a:endParaRPr lang="en-CA"/>
           </a:p>
@@ -7585,7 +7590,7 @@
           <a:p>
             <a:fld id="{4998C87B-9159-44A7-A46D-CFF727E309AF}" type="datetimeFigureOut">
               <a:rPr lang="en-CA" smtClean="0"/>
-              <a:t>2018-03-21</a:t>
+              <a:t>2018-03-28</a:t>
             </a:fld>
             <a:endParaRPr lang="en-CA"/>
           </a:p>
@@ -7817,7 +7822,7 @@
           <a:p>
             <a:fld id="{4998C87B-9159-44A7-A46D-CFF727E309AF}" type="datetimeFigureOut">
               <a:rPr lang="en-CA" smtClean="0"/>
-              <a:t>2018-03-21</a:t>
+              <a:t>2018-03-28</a:t>
             </a:fld>
             <a:endParaRPr lang="en-CA"/>
           </a:p>
@@ -8198,7 +8203,7 @@
           <a:p>
             <a:fld id="{4998C87B-9159-44A7-A46D-CFF727E309AF}" type="datetimeFigureOut">
               <a:rPr lang="en-CA" smtClean="0"/>
-              <a:t>2018-03-21</a:t>
+              <a:t>2018-03-28</a:t>
             </a:fld>
             <a:endParaRPr lang="en-CA"/>
           </a:p>
@@ -8316,7 +8321,7 @@
           <a:p>
             <a:fld id="{4998C87B-9159-44A7-A46D-CFF727E309AF}" type="datetimeFigureOut">
               <a:rPr lang="en-CA" smtClean="0"/>
-              <a:t>2018-03-21</a:t>
+              <a:t>2018-03-28</a:t>
             </a:fld>
             <a:endParaRPr lang="en-CA"/>
           </a:p>
@@ -8411,7 +8416,7 @@
           <a:p>
             <a:fld id="{4998C87B-9159-44A7-A46D-CFF727E309AF}" type="datetimeFigureOut">
               <a:rPr lang="en-CA" smtClean="0"/>
-              <a:t>2018-03-21</a:t>
+              <a:t>2018-03-28</a:t>
             </a:fld>
             <a:endParaRPr lang="en-CA"/>
           </a:p>
@@ -8660,7 +8665,7 @@
           <a:p>
             <a:fld id="{4998C87B-9159-44A7-A46D-CFF727E309AF}" type="datetimeFigureOut">
               <a:rPr lang="en-CA" smtClean="0"/>
-              <a:t>2018-03-21</a:t>
+              <a:t>2018-03-28</a:t>
             </a:fld>
             <a:endParaRPr lang="en-CA"/>
           </a:p>
@@ -8940,7 +8945,7 @@
           <a:p>
             <a:fld id="{4998C87B-9159-44A7-A46D-CFF727E309AF}" type="datetimeFigureOut">
               <a:rPr lang="en-CA" smtClean="0"/>
-              <a:t>2018-03-21</a:t>
+              <a:t>2018-03-28</a:t>
             </a:fld>
             <a:endParaRPr lang="en-CA"/>
           </a:p>
@@ -9056,7 +9061,7 @@
           <a:noFill/>
           <a:extLst>
             <a:ext uri="{909E8E84-426E-40dd-AFC4-6F175D3DCCD1}">
-              <a14:hiddenFill xmlns:a14="http://schemas.microsoft.com/office/drawing/2010/main" xmlns="">
+              <a14:hiddenFill xmlns="" xmlns:a14="http://schemas.microsoft.com/office/drawing/2010/main">
                 <a:solidFill>
                   <a:srgbClr val="FFFFFF"/>
                 </a:solidFill>
@@ -9130,7 +9135,7 @@
               </a:ln>
               <a:extLst>
                 <a:ext uri="{91240B29-F687-4f45-9708-019B960494DF}">
-                  <a14:hiddenLine xmlns:a14="http://schemas.microsoft.com/office/drawing/2010/main" xmlns="" w="9525">
+                  <a14:hiddenLine xmlns="" xmlns:a14="http://schemas.microsoft.com/office/drawing/2010/main" w="9525">
                     <a:solidFill>
                       <a:srgbClr val="000000"/>
                     </a:solidFill>
@@ -9220,7 +9225,7 @@
               </a:ln>
               <a:extLst>
                 <a:ext uri="{91240B29-F687-4f45-9708-019B960494DF}">
-                  <a14:hiddenLine xmlns:a14="http://schemas.microsoft.com/office/drawing/2010/main" xmlns="" w="9525">
+                  <a14:hiddenLine xmlns="" xmlns:a14="http://schemas.microsoft.com/office/drawing/2010/main" w="9525">
                     <a:solidFill>
                       <a:srgbClr val="000000"/>
                     </a:solidFill>
@@ -9310,7 +9315,7 @@
               </a:ln>
               <a:extLst>
                 <a:ext uri="{91240B29-F687-4f45-9708-019B960494DF}">
-                  <a14:hiddenLine xmlns:a14="http://schemas.microsoft.com/office/drawing/2010/main" xmlns="" w="9525">
+                  <a14:hiddenLine xmlns="" xmlns:a14="http://schemas.microsoft.com/office/drawing/2010/main" w="9525">
                     <a:solidFill>
                       <a:srgbClr val="000000"/>
                     </a:solidFill>
@@ -9372,7 +9377,7 @@
               </a:ln>
               <a:extLst>
                 <a:ext uri="{91240B29-F687-4f45-9708-019B960494DF}">
-                  <a14:hiddenLine xmlns:a14="http://schemas.microsoft.com/office/drawing/2010/main" xmlns="" w="9525">
+                  <a14:hiddenLine xmlns="" xmlns:a14="http://schemas.microsoft.com/office/drawing/2010/main" w="9525">
                     <a:solidFill>
                       <a:srgbClr val="000000"/>
                     </a:solidFill>
@@ -9462,7 +9467,7 @@
               </a:ln>
               <a:extLst>
                 <a:ext uri="{91240B29-F687-4f45-9708-019B960494DF}">
-                  <a14:hiddenLine xmlns:a14="http://schemas.microsoft.com/office/drawing/2010/main" xmlns="" w="9525">
+                  <a14:hiddenLine xmlns="" xmlns:a14="http://schemas.microsoft.com/office/drawing/2010/main" w="9525">
                     <a:solidFill>
                       <a:srgbClr val="000000"/>
                     </a:solidFill>
@@ -9524,7 +9529,7 @@
               </a:ln>
               <a:extLst>
                 <a:ext uri="{91240B29-F687-4f45-9708-019B960494DF}">
-                  <a14:hiddenLine xmlns:a14="http://schemas.microsoft.com/office/drawing/2010/main" xmlns="" w="9525">
+                  <a14:hiddenLine xmlns="" xmlns:a14="http://schemas.microsoft.com/office/drawing/2010/main" w="9525">
                     <a:solidFill>
                       <a:srgbClr val="000000"/>
                     </a:solidFill>
@@ -9586,7 +9591,7 @@
               </a:ln>
               <a:extLst>
                 <a:ext uri="{91240B29-F687-4f45-9708-019B960494DF}">
-                  <a14:hiddenLine xmlns:a14="http://schemas.microsoft.com/office/drawing/2010/main" xmlns="" w="9525">
+                  <a14:hiddenLine xmlns="" xmlns:a14="http://schemas.microsoft.com/office/drawing/2010/main" w="9525">
                     <a:solidFill>
                       <a:srgbClr val="000000"/>
                     </a:solidFill>
@@ -9676,7 +9681,7 @@
               </a:ln>
               <a:extLst>
                 <a:ext uri="{91240B29-F687-4f45-9708-019B960494DF}">
-                  <a14:hiddenLine xmlns:a14="http://schemas.microsoft.com/office/drawing/2010/main" xmlns="" w="9525">
+                  <a14:hiddenLine xmlns="" xmlns:a14="http://schemas.microsoft.com/office/drawing/2010/main" w="9525">
                     <a:solidFill>
                       <a:srgbClr val="000000"/>
                     </a:solidFill>
@@ -9766,7 +9771,7 @@
               </a:ln>
               <a:extLst>
                 <a:ext uri="{91240B29-F687-4f45-9708-019B960494DF}">
-                  <a14:hiddenLine xmlns:a14="http://schemas.microsoft.com/office/drawing/2010/main" xmlns="" w="9525">
+                  <a14:hiddenLine xmlns="" xmlns:a14="http://schemas.microsoft.com/office/drawing/2010/main" w="9525">
                     <a:solidFill>
                       <a:srgbClr val="000000"/>
                     </a:solidFill>
@@ -9828,7 +9833,7 @@
               </a:ln>
               <a:extLst>
                 <a:ext uri="{91240B29-F687-4f45-9708-019B960494DF}">
-                  <a14:hiddenLine xmlns:a14="http://schemas.microsoft.com/office/drawing/2010/main" xmlns="" w="9525">
+                  <a14:hiddenLine xmlns="" xmlns:a14="http://schemas.microsoft.com/office/drawing/2010/main" w="9525">
                     <a:solidFill>
                       <a:srgbClr val="000000"/>
                     </a:solidFill>
@@ -9938,7 +9943,7 @@
               </a:ln>
               <a:extLst>
                 <a:ext uri="{91240B29-F687-4f45-9708-019B960494DF}">
-                  <a14:hiddenLine xmlns:a14="http://schemas.microsoft.com/office/drawing/2010/main" xmlns="" w="9525">
+                  <a14:hiddenLine xmlns="" xmlns:a14="http://schemas.microsoft.com/office/drawing/2010/main" w="9525">
                     <a:solidFill>
                       <a:srgbClr val="000000"/>
                     </a:solidFill>
@@ -10022,7 +10027,7 @@
               </a:ln>
               <a:extLst>
                 <a:ext uri="{91240B29-F687-4f45-9708-019B960494DF}">
-                  <a14:hiddenLine xmlns:a14="http://schemas.microsoft.com/office/drawing/2010/main" xmlns="" w="9525">
+                  <a14:hiddenLine xmlns="" xmlns:a14="http://schemas.microsoft.com/office/drawing/2010/main" w="9525">
                     <a:solidFill>
                       <a:srgbClr val="000000"/>
                     </a:solidFill>
@@ -10084,7 +10089,7 @@
               </a:ln>
               <a:extLst>
                 <a:ext uri="{91240B29-F687-4f45-9708-019B960494DF}">
-                  <a14:hiddenLine xmlns:a14="http://schemas.microsoft.com/office/drawing/2010/main" xmlns="" w="9525">
+                  <a14:hiddenLine xmlns="" xmlns:a14="http://schemas.microsoft.com/office/drawing/2010/main" w="9525">
                     <a:solidFill>
                       <a:srgbClr val="000000"/>
                     </a:solidFill>
@@ -10146,7 +10151,7 @@
               </a:ln>
               <a:extLst>
                 <a:ext uri="{91240B29-F687-4f45-9708-019B960494DF}">
-                  <a14:hiddenLine xmlns:a14="http://schemas.microsoft.com/office/drawing/2010/main" xmlns="" w="9525">
+                  <a14:hiddenLine xmlns="" xmlns:a14="http://schemas.microsoft.com/office/drawing/2010/main" w="9525">
                     <a:solidFill>
                       <a:srgbClr val="000000"/>
                     </a:solidFill>
@@ -10236,7 +10241,7 @@
               </a:ln>
               <a:extLst>
                 <a:ext uri="{91240B29-F687-4f45-9708-019B960494DF}">
-                  <a14:hiddenLine xmlns:a14="http://schemas.microsoft.com/office/drawing/2010/main" xmlns="" w="9525">
+                  <a14:hiddenLine xmlns="" xmlns:a14="http://schemas.microsoft.com/office/drawing/2010/main" w="9525">
                     <a:solidFill>
                       <a:srgbClr val="000000"/>
                     </a:solidFill>
@@ -10270,7 +10275,7 @@
               </a:ln>
               <a:extLst>
                 <a:ext uri="{91240B29-F687-4f45-9708-019B960494DF}">
-                  <a14:hiddenLine xmlns:a14="http://schemas.microsoft.com/office/drawing/2010/main" xmlns="" w="9525">
+                  <a14:hiddenLine xmlns="" xmlns:a14="http://schemas.microsoft.com/office/drawing/2010/main" w="9525">
                     <a:solidFill>
                       <a:srgbClr val="000000"/>
                     </a:solidFill>
@@ -10335,7 +10340,7 @@
               </a:ln>
               <a:extLst>
                 <a:ext uri="{91240B29-F687-4f45-9708-019B960494DF}">
-                  <a14:hiddenLine xmlns:a14="http://schemas.microsoft.com/office/drawing/2010/main" xmlns="" w="9525">
+                  <a14:hiddenLine xmlns="" xmlns:a14="http://schemas.microsoft.com/office/drawing/2010/main" w="9525">
                     <a:solidFill>
                       <a:srgbClr val="000000"/>
                     </a:solidFill>
@@ -10425,7 +10430,7 @@
               </a:ln>
               <a:extLst>
                 <a:ext uri="{91240B29-F687-4f45-9708-019B960494DF}">
-                  <a14:hiddenLine xmlns:a14="http://schemas.microsoft.com/office/drawing/2010/main" xmlns="" w="9525">
+                  <a14:hiddenLine xmlns="" xmlns:a14="http://schemas.microsoft.com/office/drawing/2010/main" w="9525">
                     <a:solidFill>
                       <a:srgbClr val="000000"/>
                     </a:solidFill>
@@ -10487,7 +10492,7 @@
               </a:ln>
               <a:extLst>
                 <a:ext uri="{91240B29-F687-4f45-9708-019B960494DF}">
-                  <a14:hiddenLine xmlns:a14="http://schemas.microsoft.com/office/drawing/2010/main" xmlns="" w="9525">
+                  <a14:hiddenLine xmlns="" xmlns:a14="http://schemas.microsoft.com/office/drawing/2010/main" w="9525">
                     <a:solidFill>
                       <a:srgbClr val="000000"/>
                     </a:solidFill>
@@ -10577,7 +10582,7 @@
               </a:ln>
               <a:extLst>
                 <a:ext uri="{91240B29-F687-4f45-9708-019B960494DF}">
-                  <a14:hiddenLine xmlns:a14="http://schemas.microsoft.com/office/drawing/2010/main" xmlns="" w="9525">
+                  <a14:hiddenLine xmlns="" xmlns:a14="http://schemas.microsoft.com/office/drawing/2010/main" w="9525">
                     <a:solidFill>
                       <a:srgbClr val="000000"/>
                     </a:solidFill>
@@ -10642,7 +10647,7 @@
               </a:ln>
               <a:extLst>
                 <a:ext uri="{91240B29-F687-4f45-9708-019B960494DF}">
-                  <a14:hiddenLine xmlns:a14="http://schemas.microsoft.com/office/drawing/2010/main" xmlns="" w="9525">
+                  <a14:hiddenLine xmlns="" xmlns:a14="http://schemas.microsoft.com/office/drawing/2010/main" w="9525">
                     <a:solidFill>
                       <a:srgbClr val="000000"/>
                     </a:solidFill>
@@ -10704,7 +10709,7 @@
               </a:ln>
               <a:extLst>
                 <a:ext uri="{91240B29-F687-4f45-9708-019B960494DF}">
-                  <a14:hiddenLine xmlns:a14="http://schemas.microsoft.com/office/drawing/2010/main" xmlns="" w="9525">
+                  <a14:hiddenLine xmlns="" xmlns:a14="http://schemas.microsoft.com/office/drawing/2010/main" w="9525">
                     <a:solidFill>
                       <a:srgbClr val="000000"/>
                     </a:solidFill>
@@ -10794,7 +10799,7 @@
               </a:ln>
               <a:extLst>
                 <a:ext uri="{91240B29-F687-4f45-9708-019B960494DF}">
-                  <a14:hiddenLine xmlns:a14="http://schemas.microsoft.com/office/drawing/2010/main" xmlns="" w="9525">
+                  <a14:hiddenLine xmlns="" xmlns:a14="http://schemas.microsoft.com/office/drawing/2010/main" w="9525">
                     <a:solidFill>
                       <a:srgbClr val="000000"/>
                     </a:solidFill>
@@ -10884,7 +10889,7 @@
               </a:ln>
               <a:extLst>
                 <a:ext uri="{91240B29-F687-4f45-9708-019B960494DF}">
-                  <a14:hiddenLine xmlns:a14="http://schemas.microsoft.com/office/drawing/2010/main" xmlns="" w="9525">
+                  <a14:hiddenLine xmlns="" xmlns:a14="http://schemas.microsoft.com/office/drawing/2010/main" w="9525">
                     <a:solidFill>
                       <a:srgbClr val="000000"/>
                     </a:solidFill>
@@ -10949,7 +10954,7 @@
               </a:ln>
               <a:extLst>
                 <a:ext uri="{91240B29-F687-4f45-9708-019B960494DF}">
-                  <a14:hiddenLine xmlns:a14="http://schemas.microsoft.com/office/drawing/2010/main" xmlns="" w="9525">
+                  <a14:hiddenLine xmlns="" xmlns:a14="http://schemas.microsoft.com/office/drawing/2010/main" w="9525">
                     <a:solidFill>
                       <a:srgbClr val="000000"/>
                     </a:solidFill>
@@ -11069,7 +11074,7 @@
               </a:ln>
               <a:extLst>
                 <a:ext uri="{91240B29-F687-4f45-9708-019B960494DF}">
-                  <a14:hiddenLine xmlns:a14="http://schemas.microsoft.com/office/drawing/2010/main" xmlns="" w="9525">
+                  <a14:hiddenLine xmlns="" xmlns:a14="http://schemas.microsoft.com/office/drawing/2010/main" w="9525">
                     <a:solidFill>
                       <a:srgbClr val="000000"/>
                     </a:solidFill>
@@ -11167,7 +11172,7 @@
               </a:ln>
               <a:extLst>
                 <a:ext uri="{91240B29-F687-4f45-9708-019B960494DF}">
-                  <a14:hiddenLine xmlns:a14="http://schemas.microsoft.com/office/drawing/2010/main" xmlns="" w="9525">
+                  <a14:hiddenLine xmlns="" xmlns:a14="http://schemas.microsoft.com/office/drawing/2010/main" w="9525">
                     <a:solidFill>
                       <a:srgbClr val="000000"/>
                     </a:solidFill>
@@ -11282,7 +11287,7 @@
               </a:ln>
               <a:extLst>
                 <a:ext uri="{91240B29-F687-4f45-9708-019B960494DF}">
-                  <a14:hiddenLine xmlns:a14="http://schemas.microsoft.com/office/drawing/2010/main" xmlns="" w="9525">
+                  <a14:hiddenLine xmlns="" xmlns:a14="http://schemas.microsoft.com/office/drawing/2010/main" w="9525">
                     <a:solidFill>
                       <a:srgbClr val="000000"/>
                     </a:solidFill>
@@ -11372,7 +11377,7 @@
               </a:ln>
               <a:extLst>
                 <a:ext uri="{91240B29-F687-4f45-9708-019B960494DF}">
-                  <a14:hiddenLine xmlns:a14="http://schemas.microsoft.com/office/drawing/2010/main" xmlns="" w="9525">
+                  <a14:hiddenLine xmlns="" xmlns:a14="http://schemas.microsoft.com/office/drawing/2010/main" w="9525">
                     <a:solidFill>
                       <a:srgbClr val="000000"/>
                     </a:solidFill>
@@ -11437,7 +11442,7 @@
               </a:ln>
               <a:extLst>
                 <a:ext uri="{91240B29-F687-4f45-9708-019B960494DF}">
-                  <a14:hiddenLine xmlns:a14="http://schemas.microsoft.com/office/drawing/2010/main" xmlns="" w="9525">
+                  <a14:hiddenLine xmlns="" xmlns:a14="http://schemas.microsoft.com/office/drawing/2010/main" w="9525">
                     <a:solidFill>
                       <a:srgbClr val="000000"/>
                     </a:solidFill>
@@ -11527,7 +11532,7 @@
               </a:ln>
               <a:extLst>
                 <a:ext uri="{91240B29-F687-4f45-9708-019B960494DF}">
-                  <a14:hiddenLine xmlns:a14="http://schemas.microsoft.com/office/drawing/2010/main" xmlns="" w="9525">
+                  <a14:hiddenLine xmlns="" xmlns:a14="http://schemas.microsoft.com/office/drawing/2010/main" w="9525">
                     <a:solidFill>
                       <a:srgbClr val="000000"/>
                     </a:solidFill>
@@ -11595,7 +11600,7 @@
               </a:ln>
               <a:extLst>
                 <a:ext uri="{91240B29-F687-4f45-9708-019B960494DF}">
-                  <a14:hiddenLine xmlns:a14="http://schemas.microsoft.com/office/drawing/2010/main" xmlns="" w="9525">
+                  <a14:hiddenLine xmlns="" xmlns:a14="http://schemas.microsoft.com/office/drawing/2010/main" w="9525">
                     <a:solidFill>
                       <a:srgbClr val="000000"/>
                     </a:solidFill>
@@ -11685,7 +11690,7 @@
               </a:ln>
               <a:extLst>
                 <a:ext uri="{91240B29-F687-4f45-9708-019B960494DF}">
-                  <a14:hiddenLine xmlns:a14="http://schemas.microsoft.com/office/drawing/2010/main" xmlns="" w="9525">
+                  <a14:hiddenLine xmlns="" xmlns:a14="http://schemas.microsoft.com/office/drawing/2010/main" w="9525">
                     <a:solidFill>
                       <a:srgbClr val="000000"/>
                     </a:solidFill>
@@ -11753,7 +11758,7 @@
               </a:ln>
               <a:extLst>
                 <a:ext uri="{91240B29-F687-4f45-9708-019B960494DF}">
-                  <a14:hiddenLine xmlns:a14="http://schemas.microsoft.com/office/drawing/2010/main" xmlns="" w="9525">
+                  <a14:hiddenLine xmlns="" xmlns:a14="http://schemas.microsoft.com/office/drawing/2010/main" w="9525">
                     <a:solidFill>
                       <a:srgbClr val="000000"/>
                     </a:solidFill>
@@ -11843,7 +11848,7 @@
               </a:ln>
               <a:extLst>
                 <a:ext uri="{91240B29-F687-4f45-9708-019B960494DF}">
-                  <a14:hiddenLine xmlns:a14="http://schemas.microsoft.com/office/drawing/2010/main" xmlns="" w="9525">
+                  <a14:hiddenLine xmlns="" xmlns:a14="http://schemas.microsoft.com/office/drawing/2010/main" w="9525">
                     <a:solidFill>
                       <a:srgbClr val="000000"/>
                     </a:solidFill>
@@ -11877,7 +11882,7 @@
               </a:ln>
               <a:extLst>
                 <a:ext uri="{91240B29-F687-4f45-9708-019B960494DF}">
-                  <a14:hiddenLine xmlns:a14="http://schemas.microsoft.com/office/drawing/2010/main" xmlns="" w="9525">
+                  <a14:hiddenLine xmlns="" xmlns:a14="http://schemas.microsoft.com/office/drawing/2010/main" w="9525">
                     <a:solidFill>
                       <a:srgbClr val="000000"/>
                     </a:solidFill>
@@ -12017,7 +12022,7 @@
           <a:p>
             <a:fld id="{4998C87B-9159-44A7-A46D-CFF727E309AF}" type="datetimeFigureOut">
               <a:rPr lang="en-CA" smtClean="0"/>
-              <a:t>2018-03-21</a:t>
+              <a:t>2018-03-28</a:t>
             </a:fld>
             <a:endParaRPr lang="en-CA"/>
           </a:p>
@@ -12606,9 +12611,16 @@
             <p:ph idx="1"/>
           </p:nvPr>
         </p:nvSpPr>
-        <p:spPr/>
+        <p:spPr>
+          <a:xfrm>
+            <a:off x="1141412" y="1722474"/>
+            <a:ext cx="9905999" cy="4685413"/>
+          </a:xfrm>
+        </p:spPr>
         <p:txBody>
-          <a:bodyPr/>
+          <a:bodyPr>
+            <a:normAutofit/>
+          </a:bodyPr>
           <a:lstStyle/>
           <a:p>
             <a:r>
@@ -12620,43 +12632,51 @@
             <a:pPr lvl="1"/>
             <a:r>
               <a:rPr lang="en-US" altLang="en-US" dirty="0"/>
-              <a:t>Database + Programming language?</a:t>
+              <a:t>MYSQL</a:t>
             </a:r>
           </a:p>
           <a:p>
             <a:pPr lvl="1"/>
             <a:r>
               <a:rPr lang="en-US" altLang="en-US" dirty="0"/>
-              <a:t>Other tech?</a:t>
-            </a:r>
-          </a:p>
-          <a:p>
-            <a:r>
-              <a:rPr lang="en-US" altLang="en-US" dirty="0"/>
-              <a:t>Display your group’s user story map for your proposed MVP for release 1</a:t>
+              <a:t>PHP</a:t>
             </a:r>
           </a:p>
           <a:p>
             <a:pPr lvl="1"/>
             <a:r>
               <a:rPr lang="en-US" altLang="en-US" dirty="0"/>
-              <a:t>Everything done?</a:t>
+              <a:t>C#</a:t>
             </a:r>
           </a:p>
           <a:p>
-            <a:pPr lvl="1"/>
             <a:r>
               <a:rPr lang="en-US" altLang="en-US" dirty="0"/>
-              <a:t>Did something move to the product backlog (to future releases)? </a:t>
+              <a:t>We managed to accomplish all of our functionality for our release 1(MVP)</a:t>
             </a:r>
           </a:p>
           <a:p>
             <a:r>
               <a:rPr lang="en-US" altLang="en-US" dirty="0"/>
-              <a:t>Lo-fi interface(s) overview (major screens/message flows)</a:t>
+              <a:t>Nothing needed to be pushed to release 2</a:t>
             </a:r>
           </a:p>
           <a:p>
+            <a:r>
+              <a:rPr lang="en-US" altLang="en-US" dirty="0"/>
+              <a:t>Our application mostly follows or lo-fi models, with some minor changes </a:t>
+            </a:r>
+          </a:p>
+          <a:p>
+            <a:r>
+              <a:rPr lang="en-US" altLang="en-US" dirty="0"/>
+              <a:t>Lo-fi models available on our GitHub page in milestone 6 folder</a:t>
+            </a:r>
+          </a:p>
+          <a:p>
+            <a:pPr marL="0" indent="0">
+              <a:buNone/>
+            </a:pPr>
             <a:endParaRPr lang="en-CA" dirty="0"/>
           </a:p>
         </p:txBody>
@@ -12696,7 +12716,7 @@
           <p:cNvPr id="2" name="Title 1">
             <a:extLst>
               <a:ext uri="{FF2B5EF4-FFF2-40B4-BE49-F238E27FC236}">
-                <a16:creationId xmlns:a16="http://schemas.microsoft.com/office/drawing/2014/main" id="{ABA25EB4-1D65-4B7E-9716-67E200EA4FE3}"/>
+                <a16:creationId xmlns:a16="http://schemas.microsoft.com/office/drawing/2014/main" id="{D75A2DFE-7842-41FC-85D3-DAF88A6BAF5B}"/>
               </a:ext>
             </a:extLst>
           </p:cNvPr>
@@ -12712,10 +12732,7 @@
           <a:bodyPr/>
           <a:lstStyle/>
           <a:p>
-            <a:r>
-              <a:rPr lang="en-CA" dirty="0"/>
-              <a:t>Demo</a:t>
-            </a:r>
+            <a:endParaRPr lang="en-CA" dirty="0"/>
           </a:p>
         </p:txBody>
       </p:sp>
@@ -12724,7 +12741,7 @@
           <p:cNvPr id="3" name="Content Placeholder 2">
             <a:extLst>
               <a:ext uri="{FF2B5EF4-FFF2-40B4-BE49-F238E27FC236}">
-                <a16:creationId xmlns:a16="http://schemas.microsoft.com/office/drawing/2014/main" id="{CC3D3019-FF8D-40FF-A46D-5953600136FB}"/>
+                <a16:creationId xmlns:a16="http://schemas.microsoft.com/office/drawing/2014/main" id="{35CBD9E8-F8C8-47B5-A9DF-812C0519460E}"/>
               </a:ext>
             </a:extLst>
           </p:cNvPr>
@@ -12740,52 +12757,44 @@
           <a:bodyPr/>
           <a:lstStyle/>
           <a:p>
-            <a:r>
-              <a:rPr lang="en-US" altLang="en-US" dirty="0"/>
-              <a:t>Demo your group’s working tool</a:t>
-            </a:r>
-          </a:p>
-          <a:p>
-            <a:pPr lvl="1"/>
-            <a:r>
-              <a:rPr lang="en-US" altLang="en-US" dirty="0"/>
-              <a:t>Compare with your group’s lo-fi prototype</a:t>
-            </a:r>
-          </a:p>
-          <a:p>
-            <a:r>
-              <a:rPr lang="en-US" altLang="en-US" dirty="0"/>
-              <a:t>Highlight MVP for release 1 (what was “done”)</a:t>
-            </a:r>
-          </a:p>
-          <a:p>
-            <a:r>
-              <a:rPr lang="en-US" altLang="en-US" dirty="0"/>
-              <a:t>Illustrate some of the Acceptance Test-Driven Development test validations </a:t>
-            </a:r>
-          </a:p>
-          <a:p>
-            <a:r>
-              <a:rPr lang="en-US" altLang="en-US" dirty="0"/>
-              <a:t>Design patterns used?</a:t>
-            </a:r>
-          </a:p>
-          <a:p>
-            <a:pPr lvl="1"/>
-            <a:r>
-              <a:rPr lang="en-US" altLang="en-US" dirty="0"/>
-              <a:t>What, where, why, how?</a:t>
-            </a:r>
-          </a:p>
-          <a:p>
-            <a:endParaRPr lang="en-CA" dirty="0"/>
+            <a:endParaRPr lang="en-CA"/>
           </a:p>
         </p:txBody>
       </p:sp>
+      <p:pic>
+        <p:nvPicPr>
+          <p:cNvPr id="4" name="Picture 3">
+            <a:extLst>
+              <a:ext uri="{FF2B5EF4-FFF2-40B4-BE49-F238E27FC236}">
+                <a16:creationId xmlns:a16="http://schemas.microsoft.com/office/drawing/2014/main" id="{5F5C174B-AC7C-4B5E-B4D7-46BA79DD3041}"/>
+              </a:ext>
+            </a:extLst>
+          </p:cNvPr>
+          <p:cNvPicPr>
+            <a:picLocks noChangeAspect="1"/>
+          </p:cNvPicPr>
+          <p:nvPr/>
+        </p:nvPicPr>
+        <p:blipFill>
+          <a:blip r:embed="rId2"/>
+          <a:stretch>
+            <a:fillRect/>
+          </a:stretch>
+        </p:blipFill>
+        <p:spPr>
+          <a:xfrm>
+            <a:off x="568452" y="0"/>
+            <a:ext cx="11055096" cy="6858000"/>
+          </a:xfrm>
+          <a:prstGeom prst="rect">
+            <a:avLst/>
+          </a:prstGeom>
+        </p:spPr>
+      </p:pic>
     </p:spTree>
     <p:extLst>
       <p:ext uri="{BB962C8B-B14F-4D97-AF65-F5344CB8AC3E}">
-        <p14:creationId xmlns:p14="http://schemas.microsoft.com/office/powerpoint/2010/main" val="1248452790"/>
+        <p14:creationId xmlns:p14="http://schemas.microsoft.com/office/powerpoint/2010/main" val="1202071841"/>
       </p:ext>
     </p:extLst>
   </p:cSld>
@@ -12817,7 +12826,7 @@
           <p:cNvPr id="2" name="Title 1">
             <a:extLst>
               <a:ext uri="{FF2B5EF4-FFF2-40B4-BE49-F238E27FC236}">
-                <a16:creationId xmlns:a16="http://schemas.microsoft.com/office/drawing/2014/main" id="{39F9F93E-30AC-49D0-9E8F-98E3499CE479}"/>
+                <a16:creationId xmlns:a16="http://schemas.microsoft.com/office/drawing/2014/main" id="{5C4B1A1F-7352-4396-9212-283523C6C6C2}"/>
               </a:ext>
             </a:extLst>
           </p:cNvPr>
@@ -12842,7 +12851,7 @@
           <p:cNvPr id="3" name="Content Placeholder 2">
             <a:extLst>
               <a:ext uri="{FF2B5EF4-FFF2-40B4-BE49-F238E27FC236}">
-                <a16:creationId xmlns:a16="http://schemas.microsoft.com/office/drawing/2014/main" id="{325ACFEB-7F57-4A30-AA58-92AC01BA17D0}"/>
+                <a16:creationId xmlns:a16="http://schemas.microsoft.com/office/drawing/2014/main" id="{A9933279-4DE7-4B66-8A54-825308D4AE24}"/>
               </a:ext>
             </a:extLst>
           </p:cNvPr>
@@ -12862,10 +12871,40 @@
           </a:p>
         </p:txBody>
       </p:sp>
+      <p:pic>
+        <p:nvPicPr>
+          <p:cNvPr id="4" name="Picture 3">
+            <a:extLst>
+              <a:ext uri="{FF2B5EF4-FFF2-40B4-BE49-F238E27FC236}">
+                <a16:creationId xmlns:a16="http://schemas.microsoft.com/office/drawing/2014/main" id="{F505295C-5E4E-46E1-BD90-DF58D5B0205D}"/>
+              </a:ext>
+            </a:extLst>
+          </p:cNvPr>
+          <p:cNvPicPr>
+            <a:picLocks noChangeAspect="1"/>
+          </p:cNvPicPr>
+          <p:nvPr/>
+        </p:nvPicPr>
+        <p:blipFill>
+          <a:blip r:embed="rId2"/>
+          <a:stretch>
+            <a:fillRect/>
+          </a:stretch>
+        </p:blipFill>
+        <p:spPr>
+          <a:xfrm>
+            <a:off x="2118360" y="0"/>
+            <a:ext cx="7955280" cy="6858000"/>
+          </a:xfrm>
+          <a:prstGeom prst="rect">
+            <a:avLst/>
+          </a:prstGeom>
+        </p:spPr>
+      </p:pic>
     </p:spTree>
     <p:extLst>
       <p:ext uri="{BB962C8B-B14F-4D97-AF65-F5344CB8AC3E}">
-        <p14:creationId xmlns:p14="http://schemas.microsoft.com/office/powerpoint/2010/main" val="3250906487"/>
+        <p14:creationId xmlns:p14="http://schemas.microsoft.com/office/powerpoint/2010/main" val="3694219790"/>
       </p:ext>
     </p:extLst>
   </p:cSld>
@@ -12897,7 +12936,7 @@
           <p:cNvPr id="2" name="Title 1">
             <a:extLst>
               <a:ext uri="{FF2B5EF4-FFF2-40B4-BE49-F238E27FC236}">
-                <a16:creationId xmlns:a16="http://schemas.microsoft.com/office/drawing/2014/main" id="{88ECE392-389C-4E7E-9900-F34D7EDE4AA3}"/>
+                <a16:creationId xmlns:a16="http://schemas.microsoft.com/office/drawing/2014/main" id="{0448727F-7E39-4533-BE84-815AE9A6D155}"/>
               </a:ext>
             </a:extLst>
           </p:cNvPr>
@@ -12922,7 +12961,7 @@
           <p:cNvPr id="3" name="Content Placeholder 2">
             <a:extLst>
               <a:ext uri="{FF2B5EF4-FFF2-40B4-BE49-F238E27FC236}">
-                <a16:creationId xmlns:a16="http://schemas.microsoft.com/office/drawing/2014/main" id="{703048F8-29F1-4B02-B01F-9701785E3AEA}"/>
+                <a16:creationId xmlns:a16="http://schemas.microsoft.com/office/drawing/2014/main" id="{EFE24493-D1E9-4EFC-9ABA-6DB03A96DF65}"/>
               </a:ext>
             </a:extLst>
           </p:cNvPr>
@@ -12942,10 +12981,40 @@
           </a:p>
         </p:txBody>
       </p:sp>
+      <p:pic>
+        <p:nvPicPr>
+          <p:cNvPr id="4" name="Picture 3">
+            <a:extLst>
+              <a:ext uri="{FF2B5EF4-FFF2-40B4-BE49-F238E27FC236}">
+                <a16:creationId xmlns:a16="http://schemas.microsoft.com/office/drawing/2014/main" id="{42EF68F4-8965-4659-9F12-B9ECC02EF75F}"/>
+              </a:ext>
+            </a:extLst>
+          </p:cNvPr>
+          <p:cNvPicPr>
+            <a:picLocks noChangeAspect="1"/>
+          </p:cNvPicPr>
+          <p:nvPr/>
+        </p:nvPicPr>
+        <p:blipFill>
+          <a:blip r:embed="rId2"/>
+          <a:stretch>
+            <a:fillRect/>
+          </a:stretch>
+        </p:blipFill>
+        <p:spPr>
+          <a:xfrm>
+            <a:off x="2893314" y="0"/>
+            <a:ext cx="6405372" cy="6858000"/>
+          </a:xfrm>
+          <a:prstGeom prst="rect">
+            <a:avLst/>
+          </a:prstGeom>
+        </p:spPr>
+      </p:pic>
     </p:spTree>
     <p:extLst>
       <p:ext uri="{BB962C8B-B14F-4D97-AF65-F5344CB8AC3E}">
-        <p14:creationId xmlns:p14="http://schemas.microsoft.com/office/powerpoint/2010/main" val="740886339"/>
+        <p14:creationId xmlns:p14="http://schemas.microsoft.com/office/powerpoint/2010/main" val="2446751367"/>
       </p:ext>
     </p:extLst>
   </p:cSld>
@@ -12977,7 +13046,7 @@
           <p:cNvPr id="2" name="Title 1">
             <a:extLst>
               <a:ext uri="{FF2B5EF4-FFF2-40B4-BE49-F238E27FC236}">
-                <a16:creationId xmlns:a16="http://schemas.microsoft.com/office/drawing/2014/main" id="{6F8CD710-3EBE-4880-950D-C1B39EB2D5DA}"/>
+                <a16:creationId xmlns:a16="http://schemas.microsoft.com/office/drawing/2014/main" id="{ABA25EB4-1D65-4B7E-9716-67E200EA4FE3}"/>
               </a:ext>
             </a:extLst>
           </p:cNvPr>
@@ -12988,12 +13057,20 @@
             <p:ph type="title"/>
           </p:nvPr>
         </p:nvSpPr>
-        <p:spPr/>
+        <p:spPr>
+          <a:xfrm>
+            <a:off x="1141413" y="143597"/>
+            <a:ext cx="9905998" cy="1478570"/>
+          </a:xfrm>
+        </p:spPr>
         <p:txBody>
           <a:bodyPr/>
           <a:lstStyle/>
           <a:p>
-            <a:endParaRPr lang="en-CA"/>
+            <a:r>
+              <a:rPr lang="en-CA" dirty="0"/>
+              <a:t>Demo</a:t>
+            </a:r>
           </a:p>
         </p:txBody>
       </p:sp>
@@ -13002,7 +13079,7 @@
           <p:cNvPr id="3" name="Content Placeholder 2">
             <a:extLst>
               <a:ext uri="{FF2B5EF4-FFF2-40B4-BE49-F238E27FC236}">
-                <a16:creationId xmlns:a16="http://schemas.microsoft.com/office/drawing/2014/main" id="{E4E0D2F9-557C-43F7-9437-F714FA2B72D8}"/>
+                <a16:creationId xmlns:a16="http://schemas.microsoft.com/office/drawing/2014/main" id="{CC3D3019-FF8D-40FF-A46D-5953600136FB}"/>
               </a:ext>
             </a:extLst>
           </p:cNvPr>
@@ -13013,19 +13090,125 @@
             <p:ph idx="1"/>
           </p:nvPr>
         </p:nvSpPr>
-        <p:spPr/>
+        <p:spPr>
+          <a:xfrm>
+            <a:off x="1141412" y="1212111"/>
+            <a:ext cx="9905999" cy="5401339"/>
+          </a:xfrm>
+        </p:spPr>
         <p:txBody>
-          <a:bodyPr/>
+          <a:bodyPr>
+            <a:normAutofit fontScale="85000" lnSpcReduction="20000"/>
+          </a:bodyPr>
           <a:lstStyle/>
           <a:p>
-            <a:endParaRPr lang="en-CA"/>
+            <a:r>
+              <a:rPr lang="en-US" altLang="en-US" dirty="0"/>
+              <a:t>Some of the themes From our ATDD templates that we will demonstrate are:</a:t>
+            </a:r>
+          </a:p>
+          <a:p>
+            <a:pPr lvl="1"/>
+            <a:r>
+              <a:rPr lang="en-US" altLang="en-US" dirty="0"/>
+              <a:t>Valid login information (all)</a:t>
+            </a:r>
+          </a:p>
+          <a:p>
+            <a:pPr lvl="1"/>
+            <a:r>
+              <a:rPr lang="en-US" altLang="en-US" dirty="0"/>
+              <a:t>Logout functionality (all)</a:t>
+            </a:r>
+          </a:p>
+          <a:p>
+            <a:pPr lvl="1"/>
+            <a:r>
+              <a:rPr lang="en-US" altLang="en-US" dirty="0"/>
+              <a:t>Software list (Users)</a:t>
+            </a:r>
+          </a:p>
+          <a:p>
+            <a:pPr lvl="1"/>
+            <a:r>
+              <a:rPr lang="en-US" altLang="en-US" dirty="0"/>
+              <a:t>List of approved software (Users)</a:t>
+            </a:r>
+          </a:p>
+          <a:p>
+            <a:pPr lvl="1"/>
+            <a:r>
+              <a:rPr lang="en-US" altLang="en-US" dirty="0"/>
+              <a:t>Approve software (Approver)</a:t>
+            </a:r>
+          </a:p>
+          <a:p>
+            <a:pPr lvl="1"/>
+            <a:r>
+              <a:rPr lang="en-US" altLang="en-US" dirty="0"/>
+              <a:t>Deny Software (Approver)</a:t>
+            </a:r>
+          </a:p>
+          <a:p>
+            <a:pPr lvl="1"/>
+            <a:r>
+              <a:rPr lang="en-US" altLang="en-US" dirty="0"/>
+              <a:t>Granting access to the software (analyst)</a:t>
+            </a:r>
+          </a:p>
+          <a:p>
+            <a:pPr lvl="1"/>
+            <a:r>
+              <a:rPr lang="en-US" altLang="en-US" dirty="0"/>
+              <a:t>Denying access to the software (analyst)</a:t>
+            </a:r>
+          </a:p>
+          <a:p>
+            <a:pPr lvl="1"/>
+            <a:endParaRPr lang="en-US" altLang="en-US" dirty="0"/>
+          </a:p>
+          <a:p>
+            <a:r>
+              <a:rPr lang="en-US" altLang="en-US" dirty="0"/>
+              <a:t>More detailed ATDD templates available on our GitHub page in milestone 6 folder</a:t>
+            </a:r>
+          </a:p>
+          <a:p>
+            <a:r>
+              <a:rPr lang="en-US" altLang="en-US" dirty="0"/>
+              <a:t>Design patterns used?</a:t>
+            </a:r>
+          </a:p>
+          <a:p>
+            <a:pPr lvl="1"/>
+            <a:r>
+              <a:rPr lang="en-US" altLang="en-US" dirty="0"/>
+              <a:t>Factory pattern: in order to create an instance of a web client with different settings</a:t>
+            </a:r>
+          </a:p>
+          <a:p>
+            <a:pPr lvl="1"/>
+            <a:r>
+              <a:rPr lang="en-US" altLang="en-US" dirty="0"/>
+              <a:t>Singleton pattern: for the login session</a:t>
+            </a:r>
+          </a:p>
+          <a:p>
+            <a:pPr lvl="1"/>
+            <a:r>
+              <a:rPr lang="en-US" altLang="en-US" dirty="0"/>
+              <a:t>Reflection Pattern: to change the type of session at run time through MSIL dynamic manipulation</a:t>
+            </a:r>
+          </a:p>
+          <a:p>
+            <a:endParaRPr lang="en-CA" dirty="0"/>
           </a:p>
         </p:txBody>
       </p:sp>
     </p:spTree>
     <p:extLst>
       <p:ext uri="{BB962C8B-B14F-4D97-AF65-F5344CB8AC3E}">
-        <p14:creationId xmlns:p14="http://schemas.microsoft.com/office/powerpoint/2010/main" val="1813084523"/>
+        <p14:creationId xmlns:p14="http://schemas.microsoft.com/office/powerpoint/2010/main" val="1248452790"/>
       </p:ext>
     </p:extLst>
   </p:cSld>
@@ -13123,8 +13306,13 @@
             </a:pPr>
             <a:r>
               <a:rPr lang="en-US" dirty="0"/>
-              <a:t>[Response here]</a:t>
+              <a:t>[Response </a:t>
             </a:r>
+            <a:r>
+              <a:rPr lang="en-US"/>
+              <a:t>here]</a:t>
+            </a:r>
+            <a:endParaRPr lang="en-US" dirty="0"/>
           </a:p>
           <a:p>
             <a:pPr>

--- a/Milestone 6/ENSE 470 Milestone 6.pptx
+++ b/Milestone 6/ENSE 470 Milestone 6.pptx
@@ -168,7 +168,7 @@
           <a:noFill/>
           <a:extLst>
             <a:ext uri="{909E8E84-426E-40dd-AFC4-6F175D3DCCD1}">
-              <a14:hiddenFill xmlns="" xmlns:a14="http://schemas.microsoft.com/office/drawing/2010/main">
+              <a14:hiddenFill xmlns:a14="http://schemas.microsoft.com/office/drawing/2010/main" xmlns="">
                 <a:solidFill>
                   <a:srgbClr val="FFFFFF"/>
                 </a:solidFill>
@@ -228,7 +228,7 @@
             </a:ln>
             <a:extLst>
               <a:ext uri="{91240B29-F687-4f45-9708-019B960494DF}">
-                <a14:hiddenLine xmlns="" xmlns:a14="http://schemas.microsoft.com/office/drawing/2010/main" w="9525">
+                <a14:hiddenLine xmlns:a14="http://schemas.microsoft.com/office/drawing/2010/main" xmlns="" w="9525">
                   <a:solidFill>
                     <a:srgbClr val="000000"/>
                   </a:solidFill>
@@ -318,7 +318,7 @@
             </a:ln>
             <a:extLst>
               <a:ext uri="{91240B29-F687-4f45-9708-019B960494DF}">
-                <a14:hiddenLine xmlns="" xmlns:a14="http://schemas.microsoft.com/office/drawing/2010/main" w="9525">
+                <a14:hiddenLine xmlns:a14="http://schemas.microsoft.com/office/drawing/2010/main" xmlns="" w="9525">
                   <a:solidFill>
                     <a:srgbClr val="000000"/>
                   </a:solidFill>
@@ -408,7 +408,7 @@
             </a:ln>
             <a:extLst>
               <a:ext uri="{91240B29-F687-4f45-9708-019B960494DF}">
-                <a14:hiddenLine xmlns="" xmlns:a14="http://schemas.microsoft.com/office/drawing/2010/main" w="9525">
+                <a14:hiddenLine xmlns:a14="http://schemas.microsoft.com/office/drawing/2010/main" xmlns="" w="9525">
                   <a:solidFill>
                     <a:srgbClr val="000000"/>
                   </a:solidFill>
@@ -442,7 +442,7 @@
             </a:ln>
             <a:extLst>
               <a:ext uri="{91240B29-F687-4f45-9708-019B960494DF}">
-                <a14:hiddenLine xmlns="" xmlns:a14="http://schemas.microsoft.com/office/drawing/2010/main" w="9525">
+                <a14:hiddenLine xmlns:a14="http://schemas.microsoft.com/office/drawing/2010/main" xmlns="" w="9525">
                   <a:solidFill>
                     <a:srgbClr val="000000"/>
                   </a:solidFill>
@@ -532,7 +532,7 @@
             </a:ln>
             <a:extLst>
               <a:ext uri="{91240B29-F687-4f45-9708-019B960494DF}">
-                <a14:hiddenLine xmlns="" xmlns:a14="http://schemas.microsoft.com/office/drawing/2010/main" w="9525">
+                <a14:hiddenLine xmlns:a14="http://schemas.microsoft.com/office/drawing/2010/main" xmlns="" w="9525">
                   <a:solidFill>
                     <a:srgbClr val="000000"/>
                   </a:solidFill>
@@ -594,7 +594,7 @@
             </a:ln>
             <a:extLst>
               <a:ext uri="{91240B29-F687-4f45-9708-019B960494DF}">
-                <a14:hiddenLine xmlns="" xmlns:a14="http://schemas.microsoft.com/office/drawing/2010/main" w="9525">
+                <a14:hiddenLine xmlns:a14="http://schemas.microsoft.com/office/drawing/2010/main" xmlns="" w="9525">
                   <a:solidFill>
                     <a:srgbClr val="000000"/>
                   </a:solidFill>
@@ -656,7 +656,7 @@
             </a:ln>
             <a:extLst>
               <a:ext uri="{91240B29-F687-4f45-9708-019B960494DF}">
-                <a14:hiddenLine xmlns="" xmlns:a14="http://schemas.microsoft.com/office/drawing/2010/main" w="9525">
+                <a14:hiddenLine xmlns:a14="http://schemas.microsoft.com/office/drawing/2010/main" xmlns="" w="9525">
                   <a:solidFill>
                     <a:srgbClr val="000000"/>
                   </a:solidFill>
@@ -746,7 +746,7 @@
             </a:ln>
             <a:extLst>
               <a:ext uri="{91240B29-F687-4f45-9708-019B960494DF}">
-                <a14:hiddenLine xmlns="" xmlns:a14="http://schemas.microsoft.com/office/drawing/2010/main" w="9525">
+                <a14:hiddenLine xmlns:a14="http://schemas.microsoft.com/office/drawing/2010/main" xmlns="" w="9525">
                   <a:solidFill>
                     <a:srgbClr val="000000"/>
                   </a:solidFill>
@@ -808,7 +808,7 @@
             </a:ln>
             <a:extLst>
               <a:ext uri="{91240B29-F687-4f45-9708-019B960494DF}">
-                <a14:hiddenLine xmlns="" xmlns:a14="http://schemas.microsoft.com/office/drawing/2010/main" w="9525">
+                <a14:hiddenLine xmlns:a14="http://schemas.microsoft.com/office/drawing/2010/main" xmlns="" w="9525">
                   <a:solidFill>
                     <a:srgbClr val="000000"/>
                   </a:solidFill>
@@ -870,7 +870,7 @@
             </a:ln>
             <a:extLst>
               <a:ext uri="{91240B29-F687-4f45-9708-019B960494DF}">
-                <a14:hiddenLine xmlns="" xmlns:a14="http://schemas.microsoft.com/office/drawing/2010/main" w="9525">
+                <a14:hiddenLine xmlns:a14="http://schemas.microsoft.com/office/drawing/2010/main" xmlns="" w="9525">
                   <a:solidFill>
                     <a:srgbClr val="000000"/>
                   </a:solidFill>
@@ -960,7 +960,7 @@
             </a:ln>
             <a:extLst>
               <a:ext uri="{91240B29-F687-4f45-9708-019B960494DF}">
-                <a14:hiddenLine xmlns="" xmlns:a14="http://schemas.microsoft.com/office/drawing/2010/main" w="9525">
+                <a14:hiddenLine xmlns:a14="http://schemas.microsoft.com/office/drawing/2010/main" xmlns="" w="9525">
                   <a:solidFill>
                     <a:srgbClr val="000000"/>
                   </a:solidFill>
@@ -1050,7 +1050,7 @@
             </a:ln>
             <a:extLst>
               <a:ext uri="{91240B29-F687-4f45-9708-019B960494DF}">
-                <a14:hiddenLine xmlns="" xmlns:a14="http://schemas.microsoft.com/office/drawing/2010/main" w="9525">
+                <a14:hiddenLine xmlns:a14="http://schemas.microsoft.com/office/drawing/2010/main" xmlns="" w="9525">
                   <a:solidFill>
                     <a:srgbClr val="000000"/>
                   </a:solidFill>
@@ -1112,7 +1112,7 @@
             </a:ln>
             <a:extLst>
               <a:ext uri="{91240B29-F687-4f45-9708-019B960494DF}">
-                <a14:hiddenLine xmlns="" xmlns:a14="http://schemas.microsoft.com/office/drawing/2010/main" w="9525">
+                <a14:hiddenLine xmlns:a14="http://schemas.microsoft.com/office/drawing/2010/main" xmlns="" w="9525">
                   <a:solidFill>
                     <a:srgbClr val="000000"/>
                   </a:solidFill>
@@ -1222,7 +1222,7 @@
             </a:ln>
             <a:extLst>
               <a:ext uri="{91240B29-F687-4f45-9708-019B960494DF}">
-                <a14:hiddenLine xmlns="" xmlns:a14="http://schemas.microsoft.com/office/drawing/2010/main" w="9525">
+                <a14:hiddenLine xmlns:a14="http://schemas.microsoft.com/office/drawing/2010/main" xmlns="" w="9525">
                   <a:solidFill>
                     <a:srgbClr val="000000"/>
                   </a:solidFill>
@@ -1284,7 +1284,7 @@
             </a:ln>
             <a:extLst>
               <a:ext uri="{91240B29-F687-4f45-9708-019B960494DF}">
-                <a14:hiddenLine xmlns="" xmlns:a14="http://schemas.microsoft.com/office/drawing/2010/main" w="9525">
+                <a14:hiddenLine xmlns:a14="http://schemas.microsoft.com/office/drawing/2010/main" xmlns="" w="9525">
                   <a:solidFill>
                     <a:srgbClr val="000000"/>
                   </a:solidFill>
@@ -1374,7 +1374,7 @@
             </a:ln>
             <a:extLst>
               <a:ext uri="{91240B29-F687-4f45-9708-019B960494DF}">
-                <a14:hiddenLine xmlns="" xmlns:a14="http://schemas.microsoft.com/office/drawing/2010/main" w="9525">
+                <a14:hiddenLine xmlns:a14="http://schemas.microsoft.com/office/drawing/2010/main" xmlns="" w="9525">
                   <a:solidFill>
                     <a:srgbClr val="000000"/>
                   </a:solidFill>
@@ -1464,7 +1464,7 @@
             </a:ln>
             <a:extLst>
               <a:ext uri="{91240B29-F687-4f45-9708-019B960494DF}">
-                <a14:hiddenLine xmlns="" xmlns:a14="http://schemas.microsoft.com/office/drawing/2010/main" w="9525">
+                <a14:hiddenLine xmlns:a14="http://schemas.microsoft.com/office/drawing/2010/main" xmlns="" w="9525">
                   <a:solidFill>
                     <a:srgbClr val="000000"/>
                   </a:solidFill>
@@ -1526,7 +1526,7 @@
             </a:ln>
             <a:extLst>
               <a:ext uri="{91240B29-F687-4f45-9708-019B960494DF}">
-                <a14:hiddenLine xmlns="" xmlns:a14="http://schemas.microsoft.com/office/drawing/2010/main" w="9525">
+                <a14:hiddenLine xmlns:a14="http://schemas.microsoft.com/office/drawing/2010/main" xmlns="" w="9525">
                   <a:solidFill>
                     <a:srgbClr val="000000"/>
                   </a:solidFill>
@@ -1616,7 +1616,7 @@
             </a:ln>
             <a:extLst>
               <a:ext uri="{91240B29-F687-4f45-9708-019B960494DF}">
-                <a14:hiddenLine xmlns="" xmlns:a14="http://schemas.microsoft.com/office/drawing/2010/main" w="9525">
+                <a14:hiddenLine xmlns:a14="http://schemas.microsoft.com/office/drawing/2010/main" xmlns="" w="9525">
                   <a:solidFill>
                     <a:srgbClr val="000000"/>
                   </a:solidFill>
@@ -1706,7 +1706,7 @@
             </a:ln>
             <a:extLst>
               <a:ext uri="{91240B29-F687-4f45-9708-019B960494DF}">
-                <a14:hiddenLine xmlns="" xmlns:a14="http://schemas.microsoft.com/office/drawing/2010/main" w="9525">
+                <a14:hiddenLine xmlns:a14="http://schemas.microsoft.com/office/drawing/2010/main" xmlns="" w="9525">
                   <a:solidFill>
                     <a:srgbClr val="000000"/>
                   </a:solidFill>
@@ -1762,7 +1762,7 @@
             </a:ln>
             <a:extLst>
               <a:ext uri="{91240B29-F687-4f45-9708-019B960494DF}">
-                <a14:hiddenLine xmlns="" xmlns:a14="http://schemas.microsoft.com/office/drawing/2010/main" w="9525">
+                <a14:hiddenLine xmlns:a14="http://schemas.microsoft.com/office/drawing/2010/main" xmlns="" w="9525">
                   <a:solidFill>
                     <a:srgbClr val="000000"/>
                   </a:solidFill>
@@ -1852,7 +1852,7 @@
             </a:ln>
             <a:extLst>
               <a:ext uri="{91240B29-F687-4f45-9708-019B960494DF}">
-                <a14:hiddenLine xmlns="" xmlns:a14="http://schemas.microsoft.com/office/drawing/2010/main" w="9525">
+                <a14:hiddenLine xmlns:a14="http://schemas.microsoft.com/office/drawing/2010/main" xmlns="" w="9525">
                   <a:solidFill>
                     <a:srgbClr val="000000"/>
                   </a:solidFill>
@@ -1908,7 +1908,7 @@
             </a:ln>
             <a:extLst>
               <a:ext uri="{91240B29-F687-4f45-9708-019B960494DF}">
-                <a14:hiddenLine xmlns="" xmlns:a14="http://schemas.microsoft.com/office/drawing/2010/main" w="9525">
+                <a14:hiddenLine xmlns:a14="http://schemas.microsoft.com/office/drawing/2010/main" xmlns="" w="9525">
                   <a:solidFill>
                     <a:srgbClr val="000000"/>
                   </a:solidFill>
@@ -1998,7 +1998,7 @@
             </a:ln>
             <a:extLst>
               <a:ext uri="{91240B29-F687-4f45-9708-019B960494DF}">
-                <a14:hiddenLine xmlns="" xmlns:a14="http://schemas.microsoft.com/office/drawing/2010/main" w="9525">
+                <a14:hiddenLine xmlns:a14="http://schemas.microsoft.com/office/drawing/2010/main" xmlns="" w="9525">
                   <a:solidFill>
                     <a:srgbClr val="000000"/>
                   </a:solidFill>
@@ -2066,7 +2066,7 @@
             </a:ln>
             <a:extLst>
               <a:ext uri="{91240B29-F687-4f45-9708-019B960494DF}">
-                <a14:hiddenLine xmlns="" xmlns:a14="http://schemas.microsoft.com/office/drawing/2010/main" w="9525">
+                <a14:hiddenLine xmlns:a14="http://schemas.microsoft.com/office/drawing/2010/main" xmlns="" w="9525">
                   <a:solidFill>
                     <a:srgbClr val="000000"/>
                   </a:solidFill>
@@ -2156,7 +2156,7 @@
             </a:ln>
             <a:extLst>
               <a:ext uri="{91240B29-F687-4f45-9708-019B960494DF}">
-                <a14:hiddenLine xmlns="" xmlns:a14="http://schemas.microsoft.com/office/drawing/2010/main" w="9525">
+                <a14:hiddenLine xmlns:a14="http://schemas.microsoft.com/office/drawing/2010/main" xmlns="" w="9525">
                   <a:solidFill>
                     <a:srgbClr val="000000"/>
                   </a:solidFill>
@@ -2224,7 +2224,7 @@
             </a:ln>
             <a:extLst>
               <a:ext uri="{91240B29-F687-4f45-9708-019B960494DF}">
-                <a14:hiddenLine xmlns="" xmlns:a14="http://schemas.microsoft.com/office/drawing/2010/main" w="9525">
+                <a14:hiddenLine xmlns:a14="http://schemas.microsoft.com/office/drawing/2010/main" xmlns="" w="9525">
                   <a:solidFill>
                     <a:srgbClr val="000000"/>
                   </a:solidFill>
@@ -2314,7 +2314,7 @@
             </a:ln>
             <a:extLst>
               <a:ext uri="{91240B29-F687-4f45-9708-019B960494DF}">
-                <a14:hiddenLine xmlns="" xmlns:a14="http://schemas.microsoft.com/office/drawing/2010/main" w="9525">
+                <a14:hiddenLine xmlns:a14="http://schemas.microsoft.com/office/drawing/2010/main" xmlns="" w="9525">
                   <a:solidFill>
                     <a:srgbClr val="000000"/>
                   </a:solidFill>
@@ -2348,7 +2348,7 @@
             </a:ln>
             <a:extLst>
               <a:ext uri="{91240B29-F687-4f45-9708-019B960494DF}">
-                <a14:hiddenLine xmlns="" xmlns:a14="http://schemas.microsoft.com/office/drawing/2010/main" w="9525">
+                <a14:hiddenLine xmlns:a14="http://schemas.microsoft.com/office/drawing/2010/main" xmlns="" w="9525">
                   <a:solidFill>
                     <a:srgbClr val="000000"/>
                   </a:solidFill>
@@ -2438,7 +2438,7 @@
             </a:ln>
             <a:extLst>
               <a:ext uri="{91240B29-F687-4f45-9708-019B960494DF}">
-                <a14:hiddenLine xmlns="" xmlns:a14="http://schemas.microsoft.com/office/drawing/2010/main" w="9525">
+                <a14:hiddenLine xmlns:a14="http://schemas.microsoft.com/office/drawing/2010/main" xmlns="" w="9525">
                   <a:solidFill>
                     <a:srgbClr val="000000"/>
                   </a:solidFill>
@@ -2500,7 +2500,7 @@
             </a:ln>
             <a:extLst>
               <a:ext uri="{91240B29-F687-4f45-9708-019B960494DF}">
-                <a14:hiddenLine xmlns="" xmlns:a14="http://schemas.microsoft.com/office/drawing/2010/main" w="9525">
+                <a14:hiddenLine xmlns:a14="http://schemas.microsoft.com/office/drawing/2010/main" xmlns="" w="9525">
                   <a:solidFill>
                     <a:srgbClr val="000000"/>
                   </a:solidFill>
@@ -2562,7 +2562,7 @@
             </a:ln>
             <a:extLst>
               <a:ext uri="{91240B29-F687-4f45-9708-019B960494DF}">
-                <a14:hiddenLine xmlns="" xmlns:a14="http://schemas.microsoft.com/office/drawing/2010/main" w="9525">
+                <a14:hiddenLine xmlns:a14="http://schemas.microsoft.com/office/drawing/2010/main" xmlns="" w="9525">
                   <a:solidFill>
                     <a:srgbClr val="000000"/>
                   </a:solidFill>
@@ -2652,7 +2652,7 @@
             </a:ln>
             <a:extLst>
               <a:ext uri="{91240B29-F687-4f45-9708-019B960494DF}">
-                <a14:hiddenLine xmlns="" xmlns:a14="http://schemas.microsoft.com/office/drawing/2010/main" w="9525">
+                <a14:hiddenLine xmlns:a14="http://schemas.microsoft.com/office/drawing/2010/main" xmlns="" w="9525">
                   <a:solidFill>
                     <a:srgbClr val="000000"/>
                   </a:solidFill>
@@ -2720,7 +2720,7 @@
             </a:ln>
             <a:extLst>
               <a:ext uri="{91240B29-F687-4f45-9708-019B960494DF}">
-                <a14:hiddenLine xmlns="" xmlns:a14="http://schemas.microsoft.com/office/drawing/2010/main" w="9525">
+                <a14:hiddenLine xmlns:a14="http://schemas.microsoft.com/office/drawing/2010/main" xmlns="" w="9525">
                   <a:solidFill>
                     <a:srgbClr val="000000"/>
                   </a:solidFill>
@@ -2782,7 +2782,7 @@
             </a:ln>
             <a:extLst>
               <a:ext uri="{91240B29-F687-4f45-9708-019B960494DF}">
-                <a14:hiddenLine xmlns="" xmlns:a14="http://schemas.microsoft.com/office/drawing/2010/main" w="9525">
+                <a14:hiddenLine xmlns:a14="http://schemas.microsoft.com/office/drawing/2010/main" xmlns="" w="9525">
                   <a:solidFill>
                     <a:srgbClr val="000000"/>
                   </a:solidFill>
@@ -2872,7 +2872,7 @@
             </a:ln>
             <a:extLst>
               <a:ext uri="{91240B29-F687-4f45-9708-019B960494DF}">
-                <a14:hiddenLine xmlns="" xmlns:a14="http://schemas.microsoft.com/office/drawing/2010/main" w="9525">
+                <a14:hiddenLine xmlns:a14="http://schemas.microsoft.com/office/drawing/2010/main" xmlns="" w="9525">
                   <a:solidFill>
                     <a:srgbClr val="000000"/>
                   </a:solidFill>
@@ -2934,7 +2934,7 @@
             </a:ln>
             <a:extLst>
               <a:ext uri="{91240B29-F687-4f45-9708-019B960494DF}">
-                <a14:hiddenLine xmlns="" xmlns:a14="http://schemas.microsoft.com/office/drawing/2010/main" w="9525">
+                <a14:hiddenLine xmlns:a14="http://schemas.microsoft.com/office/drawing/2010/main" xmlns="" w="9525">
                   <a:solidFill>
                     <a:srgbClr val="000000"/>
                   </a:solidFill>
@@ -3024,7 +3024,7 @@
             </a:ln>
             <a:extLst>
               <a:ext uri="{91240B29-F687-4f45-9708-019B960494DF}">
-                <a14:hiddenLine xmlns="" xmlns:a14="http://schemas.microsoft.com/office/drawing/2010/main" w="9525">
+                <a14:hiddenLine xmlns:a14="http://schemas.microsoft.com/office/drawing/2010/main" xmlns="" w="9525">
                   <a:solidFill>
                     <a:srgbClr val="000000"/>
                   </a:solidFill>
@@ -3086,7 +3086,7 @@
             </a:ln>
             <a:extLst>
               <a:ext uri="{91240B29-F687-4f45-9708-019B960494DF}">
-                <a14:hiddenLine xmlns="" xmlns:a14="http://schemas.microsoft.com/office/drawing/2010/main" w="9525">
+                <a14:hiddenLine xmlns:a14="http://schemas.microsoft.com/office/drawing/2010/main" xmlns="" w="9525">
                   <a:solidFill>
                     <a:srgbClr val="000000"/>
                   </a:solidFill>
@@ -3176,7 +3176,7 @@
             </a:ln>
             <a:extLst>
               <a:ext uri="{91240B29-F687-4f45-9708-019B960494DF}">
-                <a14:hiddenLine xmlns="" xmlns:a14="http://schemas.microsoft.com/office/drawing/2010/main" w="9525">
+                <a14:hiddenLine xmlns:a14="http://schemas.microsoft.com/office/drawing/2010/main" xmlns="" w="9525">
                   <a:solidFill>
                     <a:srgbClr val="000000"/>
                   </a:solidFill>
@@ -3210,7 +3210,7 @@
             </a:ln>
             <a:extLst>
               <a:ext uri="{91240B29-F687-4f45-9708-019B960494DF}">
-                <a14:hiddenLine xmlns="" xmlns:a14="http://schemas.microsoft.com/office/drawing/2010/main" w="9525">
+                <a14:hiddenLine xmlns:a14="http://schemas.microsoft.com/office/drawing/2010/main" xmlns="" w="9525">
                   <a:solidFill>
                     <a:srgbClr val="000000"/>
                   </a:solidFill>
@@ -3275,7 +3275,7 @@
             </a:ln>
             <a:extLst>
               <a:ext uri="{91240B29-F687-4f45-9708-019B960494DF}">
-                <a14:hiddenLine xmlns="" xmlns:a14="http://schemas.microsoft.com/office/drawing/2010/main" w="9525">
+                <a14:hiddenLine xmlns:a14="http://schemas.microsoft.com/office/drawing/2010/main" xmlns="" w="9525">
                   <a:solidFill>
                     <a:srgbClr val="000000"/>
                   </a:solidFill>
@@ -3365,7 +3365,7 @@
             </a:ln>
             <a:extLst>
               <a:ext uri="{91240B29-F687-4f45-9708-019B960494DF}">
-                <a14:hiddenLine xmlns="" xmlns:a14="http://schemas.microsoft.com/office/drawing/2010/main" w="9525">
+                <a14:hiddenLine xmlns:a14="http://schemas.microsoft.com/office/drawing/2010/main" xmlns="" w="9525">
                   <a:solidFill>
                     <a:srgbClr val="000000"/>
                   </a:solidFill>
@@ -3427,7 +3427,7 @@
             </a:ln>
             <a:extLst>
               <a:ext uri="{91240B29-F687-4f45-9708-019B960494DF}">
-                <a14:hiddenLine xmlns="" xmlns:a14="http://schemas.microsoft.com/office/drawing/2010/main" w="9525">
+                <a14:hiddenLine xmlns:a14="http://schemas.microsoft.com/office/drawing/2010/main" xmlns="" w="9525">
                   <a:solidFill>
                     <a:srgbClr val="000000"/>
                   </a:solidFill>
@@ -3517,7 +3517,7 @@
             </a:ln>
             <a:extLst>
               <a:ext uri="{91240B29-F687-4f45-9708-019B960494DF}">
-                <a14:hiddenLine xmlns="" xmlns:a14="http://schemas.microsoft.com/office/drawing/2010/main" w="9525">
+                <a14:hiddenLine xmlns:a14="http://schemas.microsoft.com/office/drawing/2010/main" xmlns="" w="9525">
                   <a:solidFill>
                     <a:srgbClr val="000000"/>
                   </a:solidFill>
@@ -3607,7 +3607,7 @@
             </a:ln>
             <a:extLst>
               <a:ext uri="{91240B29-F687-4f45-9708-019B960494DF}">
-                <a14:hiddenLine xmlns="" xmlns:a14="http://schemas.microsoft.com/office/drawing/2010/main" w="9525">
+                <a14:hiddenLine xmlns:a14="http://schemas.microsoft.com/office/drawing/2010/main" xmlns="" w="9525">
                   <a:solidFill>
                     <a:srgbClr val="000000"/>
                   </a:solidFill>
@@ -3672,7 +3672,7 @@
             </a:ln>
             <a:extLst>
               <a:ext uri="{91240B29-F687-4f45-9708-019B960494DF}">
-                <a14:hiddenLine xmlns="" xmlns:a14="http://schemas.microsoft.com/office/drawing/2010/main" w="9525">
+                <a14:hiddenLine xmlns:a14="http://schemas.microsoft.com/office/drawing/2010/main" xmlns="" w="9525">
                   <a:solidFill>
                     <a:srgbClr val="000000"/>
                   </a:solidFill>
@@ -3734,7 +3734,7 @@
             </a:ln>
             <a:extLst>
               <a:ext uri="{91240B29-F687-4f45-9708-019B960494DF}">
-                <a14:hiddenLine xmlns="" xmlns:a14="http://schemas.microsoft.com/office/drawing/2010/main" w="9525">
+                <a14:hiddenLine xmlns:a14="http://schemas.microsoft.com/office/drawing/2010/main" xmlns="" w="9525">
                   <a:solidFill>
                     <a:srgbClr val="000000"/>
                   </a:solidFill>
@@ -3824,7 +3824,7 @@
             </a:ln>
             <a:extLst>
               <a:ext uri="{91240B29-F687-4f45-9708-019B960494DF}">
-                <a14:hiddenLine xmlns="" xmlns:a14="http://schemas.microsoft.com/office/drawing/2010/main" w="9525">
+                <a14:hiddenLine xmlns:a14="http://schemas.microsoft.com/office/drawing/2010/main" xmlns="" w="9525">
                   <a:solidFill>
                     <a:srgbClr val="000000"/>
                   </a:solidFill>
@@ -3914,7 +3914,7 @@
             </a:ln>
             <a:extLst>
               <a:ext uri="{91240B29-F687-4f45-9708-019B960494DF}">
-                <a14:hiddenLine xmlns="" xmlns:a14="http://schemas.microsoft.com/office/drawing/2010/main" w="9525">
+                <a14:hiddenLine xmlns:a14="http://schemas.microsoft.com/office/drawing/2010/main" xmlns="" w="9525">
                   <a:solidFill>
                     <a:srgbClr val="000000"/>
                   </a:solidFill>
@@ -3976,7 +3976,7 @@
             </a:ln>
             <a:extLst>
               <a:ext uri="{91240B29-F687-4f45-9708-019B960494DF}">
-                <a14:hiddenLine xmlns="" xmlns:a14="http://schemas.microsoft.com/office/drawing/2010/main" w="9525">
+                <a14:hiddenLine xmlns:a14="http://schemas.microsoft.com/office/drawing/2010/main" xmlns="" w="9525">
                   <a:solidFill>
                     <a:srgbClr val="000000"/>
                   </a:solidFill>
@@ -4096,7 +4096,7 @@
             </a:ln>
             <a:extLst>
               <a:ext uri="{91240B29-F687-4f45-9708-019B960494DF}">
-                <a14:hiddenLine xmlns="" xmlns:a14="http://schemas.microsoft.com/office/drawing/2010/main" w="9525">
+                <a14:hiddenLine xmlns:a14="http://schemas.microsoft.com/office/drawing/2010/main" xmlns="" w="9525">
                   <a:solidFill>
                     <a:srgbClr val="000000"/>
                   </a:solidFill>
@@ -4164,7 +4164,7 @@
             </a:ln>
             <a:extLst>
               <a:ext uri="{91240B29-F687-4f45-9708-019B960494DF}">
-                <a14:hiddenLine xmlns="" xmlns:a14="http://schemas.microsoft.com/office/drawing/2010/main" w="9525">
+                <a14:hiddenLine xmlns:a14="http://schemas.microsoft.com/office/drawing/2010/main" xmlns="" w="9525">
                   <a:solidFill>
                     <a:srgbClr val="000000"/>
                   </a:solidFill>
@@ -4254,7 +4254,7 @@
             </a:ln>
             <a:extLst>
               <a:ext uri="{91240B29-F687-4f45-9708-019B960494DF}">
-                <a14:hiddenLine xmlns="" xmlns:a14="http://schemas.microsoft.com/office/drawing/2010/main" w="9525">
+                <a14:hiddenLine xmlns:a14="http://schemas.microsoft.com/office/drawing/2010/main" xmlns="" w="9525">
                   <a:solidFill>
                     <a:srgbClr val="000000"/>
                   </a:solidFill>
@@ -4394,7 +4394,7 @@
           <a:p>
             <a:fld id="{4998C87B-9159-44A7-A46D-CFF727E309AF}" type="datetimeFigureOut">
               <a:rPr lang="en-CA" smtClean="0"/>
-              <a:t>2018-03-28</a:t>
+              <a:t>2018-03-29</a:t>
             </a:fld>
             <a:endParaRPr lang="en-CA"/>
           </a:p>
@@ -4661,7 +4661,7 @@
           <a:p>
             <a:fld id="{4998C87B-9159-44A7-A46D-CFF727E309AF}" type="datetimeFigureOut">
               <a:rPr lang="en-CA" smtClean="0"/>
-              <a:t>2018-03-28</a:t>
+              <a:t>2018-03-29</a:t>
             </a:fld>
             <a:endParaRPr lang="en-CA"/>
           </a:p>
@@ -4857,7 +4857,7 @@
           <a:p>
             <a:fld id="{4998C87B-9159-44A7-A46D-CFF727E309AF}" type="datetimeFigureOut">
               <a:rPr lang="en-CA" smtClean="0"/>
-              <a:t>2018-03-28</a:t>
+              <a:t>2018-03-29</a:t>
             </a:fld>
             <a:endParaRPr lang="en-CA"/>
           </a:p>
@@ -5120,7 +5120,7 @@
           <a:p>
             <a:fld id="{4998C87B-9159-44A7-A46D-CFF727E309AF}" type="datetimeFigureOut">
               <a:rPr lang="en-CA" smtClean="0"/>
-              <a:t>2018-03-28</a:t>
+              <a:t>2018-03-29</a:t>
             </a:fld>
             <a:endParaRPr lang="en-CA"/>
           </a:p>
@@ -5554,7 +5554,7 @@
           <a:p>
             <a:fld id="{4998C87B-9159-44A7-A46D-CFF727E309AF}" type="datetimeFigureOut">
               <a:rPr lang="en-CA" smtClean="0"/>
-              <a:t>2018-03-28</a:t>
+              <a:t>2018-03-29</a:t>
             </a:fld>
             <a:endParaRPr lang="en-CA"/>
           </a:p>
@@ -6100,7 +6100,7 @@
           <a:p>
             <a:fld id="{4998C87B-9159-44A7-A46D-CFF727E309AF}" type="datetimeFigureOut">
               <a:rPr lang="en-CA" smtClean="0"/>
-              <a:t>2018-03-28</a:t>
+              <a:t>2018-03-29</a:t>
             </a:fld>
             <a:endParaRPr lang="en-CA"/>
           </a:p>
@@ -6820,7 +6820,7 @@
           <a:p>
             <a:fld id="{4998C87B-9159-44A7-A46D-CFF727E309AF}" type="datetimeFigureOut">
               <a:rPr lang="en-CA" smtClean="0"/>
-              <a:t>2018-03-28</a:t>
+              <a:t>2018-03-29</a:t>
             </a:fld>
             <a:endParaRPr lang="en-CA"/>
           </a:p>
@@ -6990,7 +6990,7 @@
           <a:p>
             <a:fld id="{4998C87B-9159-44A7-A46D-CFF727E309AF}" type="datetimeFigureOut">
               <a:rPr lang="en-CA" smtClean="0"/>
-              <a:t>2018-03-28</a:t>
+              <a:t>2018-03-29</a:t>
             </a:fld>
             <a:endParaRPr lang="en-CA"/>
           </a:p>
@@ -7170,7 +7170,7 @@
           <a:p>
             <a:fld id="{4998C87B-9159-44A7-A46D-CFF727E309AF}" type="datetimeFigureOut">
               <a:rPr lang="en-CA" smtClean="0"/>
-              <a:t>2018-03-28</a:t>
+              <a:t>2018-03-29</a:t>
             </a:fld>
             <a:endParaRPr lang="en-CA"/>
           </a:p>
@@ -7340,7 +7340,7 @@
           <a:p>
             <a:fld id="{4998C87B-9159-44A7-A46D-CFF727E309AF}" type="datetimeFigureOut">
               <a:rPr lang="en-CA" smtClean="0"/>
-              <a:t>2018-03-28</a:t>
+              <a:t>2018-03-29</a:t>
             </a:fld>
             <a:endParaRPr lang="en-CA"/>
           </a:p>
@@ -7590,7 +7590,7 @@
           <a:p>
             <a:fld id="{4998C87B-9159-44A7-A46D-CFF727E309AF}" type="datetimeFigureOut">
               <a:rPr lang="en-CA" smtClean="0"/>
-              <a:t>2018-03-28</a:t>
+              <a:t>2018-03-29</a:t>
             </a:fld>
             <a:endParaRPr lang="en-CA"/>
           </a:p>
@@ -7822,7 +7822,7 @@
           <a:p>
             <a:fld id="{4998C87B-9159-44A7-A46D-CFF727E309AF}" type="datetimeFigureOut">
               <a:rPr lang="en-CA" smtClean="0"/>
-              <a:t>2018-03-28</a:t>
+              <a:t>2018-03-29</a:t>
             </a:fld>
             <a:endParaRPr lang="en-CA"/>
           </a:p>
@@ -8203,7 +8203,7 @@
           <a:p>
             <a:fld id="{4998C87B-9159-44A7-A46D-CFF727E309AF}" type="datetimeFigureOut">
               <a:rPr lang="en-CA" smtClean="0"/>
-              <a:t>2018-03-28</a:t>
+              <a:t>2018-03-29</a:t>
             </a:fld>
             <a:endParaRPr lang="en-CA"/>
           </a:p>
@@ -8321,7 +8321,7 @@
           <a:p>
             <a:fld id="{4998C87B-9159-44A7-A46D-CFF727E309AF}" type="datetimeFigureOut">
               <a:rPr lang="en-CA" smtClean="0"/>
-              <a:t>2018-03-28</a:t>
+              <a:t>2018-03-29</a:t>
             </a:fld>
             <a:endParaRPr lang="en-CA"/>
           </a:p>
@@ -8416,7 +8416,7 @@
           <a:p>
             <a:fld id="{4998C87B-9159-44A7-A46D-CFF727E309AF}" type="datetimeFigureOut">
               <a:rPr lang="en-CA" smtClean="0"/>
-              <a:t>2018-03-28</a:t>
+              <a:t>2018-03-29</a:t>
             </a:fld>
             <a:endParaRPr lang="en-CA"/>
           </a:p>
@@ -8665,7 +8665,7 @@
           <a:p>
             <a:fld id="{4998C87B-9159-44A7-A46D-CFF727E309AF}" type="datetimeFigureOut">
               <a:rPr lang="en-CA" smtClean="0"/>
-              <a:t>2018-03-28</a:t>
+              <a:t>2018-03-29</a:t>
             </a:fld>
             <a:endParaRPr lang="en-CA"/>
           </a:p>
@@ -8945,7 +8945,7 @@
           <a:p>
             <a:fld id="{4998C87B-9159-44A7-A46D-CFF727E309AF}" type="datetimeFigureOut">
               <a:rPr lang="en-CA" smtClean="0"/>
-              <a:t>2018-03-28</a:t>
+              <a:t>2018-03-29</a:t>
             </a:fld>
             <a:endParaRPr lang="en-CA"/>
           </a:p>
@@ -9061,7 +9061,7 @@
           <a:noFill/>
           <a:extLst>
             <a:ext uri="{909E8E84-426E-40dd-AFC4-6F175D3DCCD1}">
-              <a14:hiddenFill xmlns="" xmlns:a14="http://schemas.microsoft.com/office/drawing/2010/main">
+              <a14:hiddenFill xmlns:a14="http://schemas.microsoft.com/office/drawing/2010/main" xmlns="">
                 <a:solidFill>
                   <a:srgbClr val="FFFFFF"/>
                 </a:solidFill>
@@ -9135,7 +9135,7 @@
               </a:ln>
               <a:extLst>
                 <a:ext uri="{91240B29-F687-4f45-9708-019B960494DF}">
-                  <a14:hiddenLine xmlns="" xmlns:a14="http://schemas.microsoft.com/office/drawing/2010/main" w="9525">
+                  <a14:hiddenLine xmlns:a14="http://schemas.microsoft.com/office/drawing/2010/main" xmlns="" w="9525">
                     <a:solidFill>
                       <a:srgbClr val="000000"/>
                     </a:solidFill>
@@ -9225,7 +9225,7 @@
               </a:ln>
               <a:extLst>
                 <a:ext uri="{91240B29-F687-4f45-9708-019B960494DF}">
-                  <a14:hiddenLine xmlns="" xmlns:a14="http://schemas.microsoft.com/office/drawing/2010/main" w="9525">
+                  <a14:hiddenLine xmlns:a14="http://schemas.microsoft.com/office/drawing/2010/main" xmlns="" w="9525">
                     <a:solidFill>
                       <a:srgbClr val="000000"/>
                     </a:solidFill>
@@ -9315,7 +9315,7 @@
               </a:ln>
               <a:extLst>
                 <a:ext uri="{91240B29-F687-4f45-9708-019B960494DF}">
-                  <a14:hiddenLine xmlns="" xmlns:a14="http://schemas.microsoft.com/office/drawing/2010/main" w="9525">
+                  <a14:hiddenLine xmlns:a14="http://schemas.microsoft.com/office/drawing/2010/main" xmlns="" w="9525">
                     <a:solidFill>
                       <a:srgbClr val="000000"/>
                     </a:solidFill>
@@ -9377,7 +9377,7 @@
               </a:ln>
               <a:extLst>
                 <a:ext uri="{91240B29-F687-4f45-9708-019B960494DF}">
-                  <a14:hiddenLine xmlns="" xmlns:a14="http://schemas.microsoft.com/office/drawing/2010/main" w="9525">
+                  <a14:hiddenLine xmlns:a14="http://schemas.microsoft.com/office/drawing/2010/main" xmlns="" w="9525">
                     <a:solidFill>
                       <a:srgbClr val="000000"/>
                     </a:solidFill>
@@ -9467,7 +9467,7 @@
               </a:ln>
               <a:extLst>
                 <a:ext uri="{91240B29-F687-4f45-9708-019B960494DF}">
-                  <a14:hiddenLine xmlns="" xmlns:a14="http://schemas.microsoft.com/office/drawing/2010/main" w="9525">
+                  <a14:hiddenLine xmlns:a14="http://schemas.microsoft.com/office/drawing/2010/main" xmlns="" w="9525">
                     <a:solidFill>
                       <a:srgbClr val="000000"/>
                     </a:solidFill>
@@ -9529,7 +9529,7 @@
               </a:ln>
               <a:extLst>
                 <a:ext uri="{91240B29-F687-4f45-9708-019B960494DF}">
-                  <a14:hiddenLine xmlns="" xmlns:a14="http://schemas.microsoft.com/office/drawing/2010/main" w="9525">
+                  <a14:hiddenLine xmlns:a14="http://schemas.microsoft.com/office/drawing/2010/main" xmlns="" w="9525">
                     <a:solidFill>
                       <a:srgbClr val="000000"/>
                     </a:solidFill>
@@ -9591,7 +9591,7 @@
               </a:ln>
               <a:extLst>
                 <a:ext uri="{91240B29-F687-4f45-9708-019B960494DF}">
-                  <a14:hiddenLine xmlns="" xmlns:a14="http://schemas.microsoft.com/office/drawing/2010/main" w="9525">
+                  <a14:hiddenLine xmlns:a14="http://schemas.microsoft.com/office/drawing/2010/main" xmlns="" w="9525">
                     <a:solidFill>
                       <a:srgbClr val="000000"/>
                     </a:solidFill>
@@ -9681,7 +9681,7 @@
               </a:ln>
               <a:extLst>
                 <a:ext uri="{91240B29-F687-4f45-9708-019B960494DF}">
-                  <a14:hiddenLine xmlns="" xmlns:a14="http://schemas.microsoft.com/office/drawing/2010/main" w="9525">
+                  <a14:hiddenLine xmlns:a14="http://schemas.microsoft.com/office/drawing/2010/main" xmlns="" w="9525">
                     <a:solidFill>
                       <a:srgbClr val="000000"/>
                     </a:solidFill>
@@ -9771,7 +9771,7 @@
               </a:ln>
               <a:extLst>
                 <a:ext uri="{91240B29-F687-4f45-9708-019B960494DF}">
-                  <a14:hiddenLine xmlns="" xmlns:a14="http://schemas.microsoft.com/office/drawing/2010/main" w="9525">
+                  <a14:hiddenLine xmlns:a14="http://schemas.microsoft.com/office/drawing/2010/main" xmlns="" w="9525">
                     <a:solidFill>
                       <a:srgbClr val="000000"/>
                     </a:solidFill>
@@ -9833,7 +9833,7 @@
               </a:ln>
               <a:extLst>
                 <a:ext uri="{91240B29-F687-4f45-9708-019B960494DF}">
-                  <a14:hiddenLine xmlns="" xmlns:a14="http://schemas.microsoft.com/office/drawing/2010/main" w="9525">
+                  <a14:hiddenLine xmlns:a14="http://schemas.microsoft.com/office/drawing/2010/main" xmlns="" w="9525">
                     <a:solidFill>
                       <a:srgbClr val="000000"/>
                     </a:solidFill>
@@ -9943,7 +9943,7 @@
               </a:ln>
               <a:extLst>
                 <a:ext uri="{91240B29-F687-4f45-9708-019B960494DF}">
-                  <a14:hiddenLine xmlns="" xmlns:a14="http://schemas.microsoft.com/office/drawing/2010/main" w="9525">
+                  <a14:hiddenLine xmlns:a14="http://schemas.microsoft.com/office/drawing/2010/main" xmlns="" w="9525">
                     <a:solidFill>
                       <a:srgbClr val="000000"/>
                     </a:solidFill>
@@ -10027,7 +10027,7 @@
               </a:ln>
               <a:extLst>
                 <a:ext uri="{91240B29-F687-4f45-9708-019B960494DF}">
-                  <a14:hiddenLine xmlns="" xmlns:a14="http://schemas.microsoft.com/office/drawing/2010/main" w="9525">
+                  <a14:hiddenLine xmlns:a14="http://schemas.microsoft.com/office/drawing/2010/main" xmlns="" w="9525">
                     <a:solidFill>
                       <a:srgbClr val="000000"/>
                     </a:solidFill>
@@ -10089,7 +10089,7 @@
               </a:ln>
               <a:extLst>
                 <a:ext uri="{91240B29-F687-4f45-9708-019B960494DF}">
-                  <a14:hiddenLine xmlns="" xmlns:a14="http://schemas.microsoft.com/office/drawing/2010/main" w="9525">
+                  <a14:hiddenLine xmlns:a14="http://schemas.microsoft.com/office/drawing/2010/main" xmlns="" w="9525">
                     <a:solidFill>
                       <a:srgbClr val="000000"/>
                     </a:solidFill>
@@ -10151,7 +10151,7 @@
               </a:ln>
               <a:extLst>
                 <a:ext uri="{91240B29-F687-4f45-9708-019B960494DF}">
-                  <a14:hiddenLine xmlns="" xmlns:a14="http://schemas.microsoft.com/office/drawing/2010/main" w="9525">
+                  <a14:hiddenLine xmlns:a14="http://schemas.microsoft.com/office/drawing/2010/main" xmlns="" w="9525">
                     <a:solidFill>
                       <a:srgbClr val="000000"/>
                     </a:solidFill>
@@ -10241,7 +10241,7 @@
               </a:ln>
               <a:extLst>
                 <a:ext uri="{91240B29-F687-4f45-9708-019B960494DF}">
-                  <a14:hiddenLine xmlns="" xmlns:a14="http://schemas.microsoft.com/office/drawing/2010/main" w="9525">
+                  <a14:hiddenLine xmlns:a14="http://schemas.microsoft.com/office/drawing/2010/main" xmlns="" w="9525">
                     <a:solidFill>
                       <a:srgbClr val="000000"/>
                     </a:solidFill>
@@ -10275,7 +10275,7 @@
               </a:ln>
               <a:extLst>
                 <a:ext uri="{91240B29-F687-4f45-9708-019B960494DF}">
-                  <a14:hiddenLine xmlns="" xmlns:a14="http://schemas.microsoft.com/office/drawing/2010/main" w="9525">
+                  <a14:hiddenLine xmlns:a14="http://schemas.microsoft.com/office/drawing/2010/main" xmlns="" w="9525">
                     <a:solidFill>
                       <a:srgbClr val="000000"/>
                     </a:solidFill>
@@ -10340,7 +10340,7 @@
               </a:ln>
               <a:extLst>
                 <a:ext uri="{91240B29-F687-4f45-9708-019B960494DF}">
-                  <a14:hiddenLine xmlns="" xmlns:a14="http://schemas.microsoft.com/office/drawing/2010/main" w="9525">
+                  <a14:hiddenLine xmlns:a14="http://schemas.microsoft.com/office/drawing/2010/main" xmlns="" w="9525">
                     <a:solidFill>
                       <a:srgbClr val="000000"/>
                     </a:solidFill>
@@ -10430,7 +10430,7 @@
               </a:ln>
               <a:extLst>
                 <a:ext uri="{91240B29-F687-4f45-9708-019B960494DF}">
-                  <a14:hiddenLine xmlns="" xmlns:a14="http://schemas.microsoft.com/office/drawing/2010/main" w="9525">
+                  <a14:hiddenLine xmlns:a14="http://schemas.microsoft.com/office/drawing/2010/main" xmlns="" w="9525">
                     <a:solidFill>
                       <a:srgbClr val="000000"/>
                     </a:solidFill>
@@ -10492,7 +10492,7 @@
               </a:ln>
               <a:extLst>
                 <a:ext uri="{91240B29-F687-4f45-9708-019B960494DF}">
-                  <a14:hiddenLine xmlns="" xmlns:a14="http://schemas.microsoft.com/office/drawing/2010/main" w="9525">
+                  <a14:hiddenLine xmlns:a14="http://schemas.microsoft.com/office/drawing/2010/main" xmlns="" w="9525">
                     <a:solidFill>
                       <a:srgbClr val="000000"/>
                     </a:solidFill>
@@ -10582,7 +10582,7 @@
               </a:ln>
               <a:extLst>
                 <a:ext uri="{91240B29-F687-4f45-9708-019B960494DF}">
-                  <a14:hiddenLine xmlns="" xmlns:a14="http://schemas.microsoft.com/office/drawing/2010/main" w="9525">
+                  <a14:hiddenLine xmlns:a14="http://schemas.microsoft.com/office/drawing/2010/main" xmlns="" w="9525">
                     <a:solidFill>
                       <a:srgbClr val="000000"/>
                     </a:solidFill>
@@ -10647,7 +10647,7 @@
               </a:ln>
               <a:extLst>
                 <a:ext uri="{91240B29-F687-4f45-9708-019B960494DF}">
-                  <a14:hiddenLine xmlns="" xmlns:a14="http://schemas.microsoft.com/office/drawing/2010/main" w="9525">
+                  <a14:hiddenLine xmlns:a14="http://schemas.microsoft.com/office/drawing/2010/main" xmlns="" w="9525">
                     <a:solidFill>
                       <a:srgbClr val="000000"/>
                     </a:solidFill>
@@ -10709,7 +10709,7 @@
               </a:ln>
               <a:extLst>
                 <a:ext uri="{91240B29-F687-4f45-9708-019B960494DF}">
-                  <a14:hiddenLine xmlns="" xmlns:a14="http://schemas.microsoft.com/office/drawing/2010/main" w="9525">
+                  <a14:hiddenLine xmlns:a14="http://schemas.microsoft.com/office/drawing/2010/main" xmlns="" w="9525">
                     <a:solidFill>
                       <a:srgbClr val="000000"/>
                     </a:solidFill>
@@ -10799,7 +10799,7 @@
               </a:ln>
               <a:extLst>
                 <a:ext uri="{91240B29-F687-4f45-9708-019B960494DF}">
-                  <a14:hiddenLine xmlns="" xmlns:a14="http://schemas.microsoft.com/office/drawing/2010/main" w="9525">
+                  <a14:hiddenLine xmlns:a14="http://schemas.microsoft.com/office/drawing/2010/main" xmlns="" w="9525">
                     <a:solidFill>
                       <a:srgbClr val="000000"/>
                     </a:solidFill>
@@ -10889,7 +10889,7 @@
               </a:ln>
               <a:extLst>
                 <a:ext uri="{91240B29-F687-4f45-9708-019B960494DF}">
-                  <a14:hiddenLine xmlns="" xmlns:a14="http://schemas.microsoft.com/office/drawing/2010/main" w="9525">
+                  <a14:hiddenLine xmlns:a14="http://schemas.microsoft.com/office/drawing/2010/main" xmlns="" w="9525">
                     <a:solidFill>
                       <a:srgbClr val="000000"/>
                     </a:solidFill>
@@ -10954,7 +10954,7 @@
               </a:ln>
               <a:extLst>
                 <a:ext uri="{91240B29-F687-4f45-9708-019B960494DF}">
-                  <a14:hiddenLine xmlns="" xmlns:a14="http://schemas.microsoft.com/office/drawing/2010/main" w="9525">
+                  <a14:hiddenLine xmlns:a14="http://schemas.microsoft.com/office/drawing/2010/main" xmlns="" w="9525">
                     <a:solidFill>
                       <a:srgbClr val="000000"/>
                     </a:solidFill>
@@ -11074,7 +11074,7 @@
               </a:ln>
               <a:extLst>
                 <a:ext uri="{91240B29-F687-4f45-9708-019B960494DF}">
-                  <a14:hiddenLine xmlns="" xmlns:a14="http://schemas.microsoft.com/office/drawing/2010/main" w="9525">
+                  <a14:hiddenLine xmlns:a14="http://schemas.microsoft.com/office/drawing/2010/main" xmlns="" w="9525">
                     <a:solidFill>
                       <a:srgbClr val="000000"/>
                     </a:solidFill>
@@ -11172,7 +11172,7 @@
               </a:ln>
               <a:extLst>
                 <a:ext uri="{91240B29-F687-4f45-9708-019B960494DF}">
-                  <a14:hiddenLine xmlns="" xmlns:a14="http://schemas.microsoft.com/office/drawing/2010/main" w="9525">
+                  <a14:hiddenLine xmlns:a14="http://schemas.microsoft.com/office/drawing/2010/main" xmlns="" w="9525">
                     <a:solidFill>
                       <a:srgbClr val="000000"/>
                     </a:solidFill>
@@ -11287,7 +11287,7 @@
               </a:ln>
               <a:extLst>
                 <a:ext uri="{91240B29-F687-4f45-9708-019B960494DF}">
-                  <a14:hiddenLine xmlns="" xmlns:a14="http://schemas.microsoft.com/office/drawing/2010/main" w="9525">
+                  <a14:hiddenLine xmlns:a14="http://schemas.microsoft.com/office/drawing/2010/main" xmlns="" w="9525">
                     <a:solidFill>
                       <a:srgbClr val="000000"/>
                     </a:solidFill>
@@ -11377,7 +11377,7 @@
               </a:ln>
               <a:extLst>
                 <a:ext uri="{91240B29-F687-4f45-9708-019B960494DF}">
-                  <a14:hiddenLine xmlns="" xmlns:a14="http://schemas.microsoft.com/office/drawing/2010/main" w="9525">
+                  <a14:hiddenLine xmlns:a14="http://schemas.microsoft.com/office/drawing/2010/main" xmlns="" w="9525">
                     <a:solidFill>
                       <a:srgbClr val="000000"/>
                     </a:solidFill>
@@ -11442,7 +11442,7 @@
               </a:ln>
               <a:extLst>
                 <a:ext uri="{91240B29-F687-4f45-9708-019B960494DF}">
-                  <a14:hiddenLine xmlns="" xmlns:a14="http://schemas.microsoft.com/office/drawing/2010/main" w="9525">
+                  <a14:hiddenLine xmlns:a14="http://schemas.microsoft.com/office/drawing/2010/main" xmlns="" w="9525">
                     <a:solidFill>
                       <a:srgbClr val="000000"/>
                     </a:solidFill>
@@ -11532,7 +11532,7 @@
               </a:ln>
               <a:extLst>
                 <a:ext uri="{91240B29-F687-4f45-9708-019B960494DF}">
-                  <a14:hiddenLine xmlns="" xmlns:a14="http://schemas.microsoft.com/office/drawing/2010/main" w="9525">
+                  <a14:hiddenLine xmlns:a14="http://schemas.microsoft.com/office/drawing/2010/main" xmlns="" w="9525">
                     <a:solidFill>
                       <a:srgbClr val="000000"/>
                     </a:solidFill>
@@ -11600,7 +11600,7 @@
               </a:ln>
               <a:extLst>
                 <a:ext uri="{91240B29-F687-4f45-9708-019B960494DF}">
-                  <a14:hiddenLine xmlns="" xmlns:a14="http://schemas.microsoft.com/office/drawing/2010/main" w="9525">
+                  <a14:hiddenLine xmlns:a14="http://schemas.microsoft.com/office/drawing/2010/main" xmlns="" w="9525">
                     <a:solidFill>
                       <a:srgbClr val="000000"/>
                     </a:solidFill>
@@ -11690,7 +11690,7 @@
               </a:ln>
               <a:extLst>
                 <a:ext uri="{91240B29-F687-4f45-9708-019B960494DF}">
-                  <a14:hiddenLine xmlns="" xmlns:a14="http://schemas.microsoft.com/office/drawing/2010/main" w="9525">
+                  <a14:hiddenLine xmlns:a14="http://schemas.microsoft.com/office/drawing/2010/main" xmlns="" w="9525">
                     <a:solidFill>
                       <a:srgbClr val="000000"/>
                     </a:solidFill>
@@ -11758,7 +11758,7 @@
               </a:ln>
               <a:extLst>
                 <a:ext uri="{91240B29-F687-4f45-9708-019B960494DF}">
-                  <a14:hiddenLine xmlns="" xmlns:a14="http://schemas.microsoft.com/office/drawing/2010/main" w="9525">
+                  <a14:hiddenLine xmlns:a14="http://schemas.microsoft.com/office/drawing/2010/main" xmlns="" w="9525">
                     <a:solidFill>
                       <a:srgbClr val="000000"/>
                     </a:solidFill>
@@ -11848,7 +11848,7 @@
               </a:ln>
               <a:extLst>
                 <a:ext uri="{91240B29-F687-4f45-9708-019B960494DF}">
-                  <a14:hiddenLine xmlns="" xmlns:a14="http://schemas.microsoft.com/office/drawing/2010/main" w="9525">
+                  <a14:hiddenLine xmlns:a14="http://schemas.microsoft.com/office/drawing/2010/main" xmlns="" w="9525">
                     <a:solidFill>
                       <a:srgbClr val="000000"/>
                     </a:solidFill>
@@ -11882,7 +11882,7 @@
               </a:ln>
               <a:extLst>
                 <a:ext uri="{91240B29-F687-4f45-9708-019B960494DF}">
-                  <a14:hiddenLine xmlns="" xmlns:a14="http://schemas.microsoft.com/office/drawing/2010/main" w="9525">
+                  <a14:hiddenLine xmlns:a14="http://schemas.microsoft.com/office/drawing/2010/main" xmlns="" w="9525">
                     <a:solidFill>
                       <a:srgbClr val="000000"/>
                     </a:solidFill>
@@ -12022,7 +12022,7 @@
           <a:p>
             <a:fld id="{4998C87B-9159-44A7-A46D-CFF727E309AF}" type="datetimeFigureOut">
               <a:rPr lang="en-CA" smtClean="0"/>
-              <a:t>2018-03-28</a:t>
+              <a:t>2018-03-29</a:t>
             </a:fld>
             <a:endParaRPr lang="en-CA"/>
           </a:p>
@@ -13251,7 +13251,12 @@
             <p:ph type="title"/>
           </p:nvPr>
         </p:nvSpPr>
-        <p:spPr/>
+        <p:spPr>
+          <a:xfrm>
+            <a:off x="1141413" y="207392"/>
+            <a:ext cx="9905998" cy="1478570"/>
+          </a:xfrm>
+        </p:spPr>
         <p:txBody>
           <a:bodyPr/>
           <a:lstStyle/>
@@ -13282,13 +13287,13 @@
         </p:nvSpPr>
         <p:spPr>
           <a:xfrm>
-            <a:off x="1141413" y="1810007"/>
-            <a:ext cx="9905999" cy="4541173"/>
+            <a:off x="1141413" y="1257114"/>
+            <a:ext cx="9905999" cy="5476839"/>
           </a:xfrm>
         </p:spPr>
         <p:txBody>
           <a:bodyPr>
-            <a:normAutofit lnSpcReduction="10000"/>
+            <a:normAutofit fontScale="92500" lnSpcReduction="10000"/>
           </a:bodyPr>
           <a:lstStyle/>
           <a:p>
@@ -13306,13 +13311,17 @@
             </a:pPr>
             <a:r>
               <a:rPr lang="en-US" dirty="0"/>
-              <a:t>[Response </a:t>
+              <a:t>Search functionality was difficult</a:t>
             </a:r>
+          </a:p>
+          <a:p>
+            <a:pPr lvl="1">
+              <a:defRPr/>
+            </a:pPr>
             <a:r>
-              <a:rPr lang="en-US"/>
-              <a:t>here]</a:t>
+              <a:rPr lang="en-US" dirty="0"/>
+              <a:t>Databases were tedious </a:t>
             </a:r>
-            <a:endParaRPr lang="en-US" dirty="0"/>
           </a:p>
           <a:p>
             <a:pPr>
@@ -13329,7 +13338,7 @@
             </a:pPr>
             <a:r>
               <a:rPr lang="en-US" dirty="0"/>
-              <a:t>[Response here]</a:t>
+              <a:t>How to take the ideas from or Lo-Fi models and ATDD templates and incorporate them in to the application</a:t>
             </a:r>
           </a:p>
           <a:p>
@@ -13347,7 +13356,16 @@
             </a:pPr>
             <a:r>
               <a:rPr lang="en-US" dirty="0"/>
-              <a:t>[Response here]</a:t>
+              <a:t>The overall process for the project will be useful of future projects</a:t>
+            </a:r>
+          </a:p>
+          <a:p>
+            <a:pPr lvl="1">
+              <a:defRPr/>
+            </a:pPr>
+            <a:r>
+              <a:rPr lang="en-US" dirty="0"/>
+              <a:t>We will build upon what we have for our second release</a:t>
             </a:r>
           </a:p>
           <a:p>
@@ -13364,13 +13382,9 @@
               <a:defRPr/>
             </a:pPr>
             <a:r>
-              <a:rPr lang="en-US" dirty="0"/>
-              <a:t>[Response here]</a:t>
+              <a:rPr lang="en-CA" dirty="0"/>
+              <a:t>For the most part I think we were good</a:t>
             </a:r>
-            <a:endParaRPr lang="en-CA" dirty="0"/>
-          </a:p>
-          <a:p>
-            <a:endParaRPr lang="en-CA" dirty="0"/>
           </a:p>
         </p:txBody>
       </p:sp>
